--- a/ESP1001 Espanol Fundamental/reference_materials/27_2_Stem Changing verbs and Exercises.pptx
+++ b/ESP1001 Espanol Fundamental/reference_materials/27_2_Stem Changing verbs and Exercises.pptx
@@ -116,7 +116,7 @@
   </p:defaultTextStyle>
   <p:extLst>
     <p:ext uri="{EFAFB233-063F-42B5-8137-9DF3F51BA10A}">
-      <p15:sldGuideLst xmlns:p15="http://schemas.microsoft.com/office/powerpoint/2012/main" xmlns="">
+      <p15:sldGuideLst xmlns:p15="http://schemas.microsoft.com/office/powerpoint/2012/main">
         <p15:guide id="1" orient="horz" pos="2160">
           <p15:clr>
             <a:srgbClr val="A4A3A4"/>
@@ -509,7 +509,7 @@
             <a:fld id="{1D8BD707-D9CF-40AE-B4C6-C98DA3205C09}" type="datetimeFigureOut">
               <a:rPr lang="en-US" smtClean="0"/>
               <a:pPr/>
-              <a:t>25-Apr-22</a:t>
+              <a:t>5/3/22</a:t>
             </a:fld>
             <a:endParaRPr lang="en-US"/>
           </a:p>
@@ -674,7 +674,7 @@
             <a:fld id="{1D8BD707-D9CF-40AE-B4C6-C98DA3205C09}" type="datetimeFigureOut">
               <a:rPr lang="en-US" smtClean="0"/>
               <a:pPr/>
-              <a:t>25-Apr-22</a:t>
+              <a:t>5/3/22</a:t>
             </a:fld>
             <a:endParaRPr lang="en-US"/>
           </a:p>
@@ -849,7 +849,7 @@
             <a:fld id="{1D8BD707-D9CF-40AE-B4C6-C98DA3205C09}" type="datetimeFigureOut">
               <a:rPr lang="en-US" smtClean="0"/>
               <a:pPr/>
-              <a:t>25-Apr-22</a:t>
+              <a:t>5/3/22</a:t>
             </a:fld>
             <a:endParaRPr lang="en-US"/>
           </a:p>
@@ -1014,7 +1014,7 @@
             <a:fld id="{1D8BD707-D9CF-40AE-B4C6-C98DA3205C09}" type="datetimeFigureOut">
               <a:rPr lang="en-US" smtClean="0"/>
               <a:pPr/>
-              <a:t>25-Apr-22</a:t>
+              <a:t>5/3/22</a:t>
             </a:fld>
             <a:endParaRPr lang="en-US"/>
           </a:p>
@@ -1256,7 +1256,7 @@
             <a:fld id="{1D8BD707-D9CF-40AE-B4C6-C98DA3205C09}" type="datetimeFigureOut">
               <a:rPr lang="en-US" smtClean="0"/>
               <a:pPr/>
-              <a:t>25-Apr-22</a:t>
+              <a:t>5/3/22</a:t>
             </a:fld>
             <a:endParaRPr lang="en-US"/>
           </a:p>
@@ -1538,7 +1538,7 @@
             <a:fld id="{1D8BD707-D9CF-40AE-B4C6-C98DA3205C09}" type="datetimeFigureOut">
               <a:rPr lang="en-US" smtClean="0"/>
               <a:pPr/>
-              <a:t>25-Apr-22</a:t>
+              <a:t>5/3/22</a:t>
             </a:fld>
             <a:endParaRPr lang="en-US"/>
           </a:p>
@@ -1954,7 +1954,7 @@
             <a:fld id="{1D8BD707-D9CF-40AE-B4C6-C98DA3205C09}" type="datetimeFigureOut">
               <a:rPr lang="en-US" smtClean="0"/>
               <a:pPr/>
-              <a:t>25-Apr-22</a:t>
+              <a:t>5/3/22</a:t>
             </a:fld>
             <a:endParaRPr lang="en-US"/>
           </a:p>
@@ -2068,7 +2068,7 @@
             <a:fld id="{1D8BD707-D9CF-40AE-B4C6-C98DA3205C09}" type="datetimeFigureOut">
               <a:rPr lang="en-US" smtClean="0"/>
               <a:pPr/>
-              <a:t>25-Apr-22</a:t>
+              <a:t>5/3/22</a:t>
             </a:fld>
             <a:endParaRPr lang="en-US"/>
           </a:p>
@@ -2160,7 +2160,7 @@
             <a:fld id="{1D8BD707-D9CF-40AE-B4C6-C98DA3205C09}" type="datetimeFigureOut">
               <a:rPr lang="en-US" smtClean="0"/>
               <a:pPr/>
-              <a:t>25-Apr-22</a:t>
+              <a:t>5/3/22</a:t>
             </a:fld>
             <a:endParaRPr lang="en-US"/>
           </a:p>
@@ -2432,7 +2432,7 @@
             <a:fld id="{1D8BD707-D9CF-40AE-B4C6-C98DA3205C09}" type="datetimeFigureOut">
               <a:rPr lang="en-US" smtClean="0"/>
               <a:pPr/>
-              <a:t>25-Apr-22</a:t>
+              <a:t>5/3/22</a:t>
             </a:fld>
             <a:endParaRPr lang="en-US"/>
           </a:p>
@@ -2681,7 +2681,7 @@
             <a:fld id="{1D8BD707-D9CF-40AE-B4C6-C98DA3205C09}" type="datetimeFigureOut">
               <a:rPr lang="en-US" smtClean="0"/>
               <a:pPr/>
-              <a:t>25-Apr-22</a:t>
+              <a:t>5/3/22</a:t>
             </a:fld>
             <a:endParaRPr lang="en-US"/>
           </a:p>
@@ -2889,7 +2889,7 @@
             <a:fld id="{1D8BD707-D9CF-40AE-B4C6-C98DA3205C09}" type="datetimeFigureOut">
               <a:rPr lang="en-US" smtClean="0"/>
               <a:pPr/>
-              <a:t>25-Apr-22</a:t>
+              <a:t>5/3/22</a:t>
             </a:fld>
             <a:endParaRPr lang="en-US"/>
           </a:p>
@@ -3298,13 +3298,6 @@
   <p:clrMapOvr>
     <a:masterClrMapping/>
   </p:clrMapOvr>
-  <p:timing>
-    <p:tnLst>
-      <p:par>
-        <p:cTn id="1" dur="indefinite" restart="never" nodeType="tmRoot"/>
-      </p:par>
-    </p:tnLst>
-  </p:timing>
 </p:sld>
 </file>
 
@@ -3679,13 +3672,6 @@
   <p:clrMapOvr>
     <a:masterClrMapping/>
   </p:clrMapOvr>
-  <p:timing>
-    <p:tnLst>
-      <p:par>
-        <p:cTn id="1" dur="indefinite" restart="never" nodeType="tmRoot"/>
-      </p:par>
-    </p:tnLst>
-  </p:timing>
 </p:sld>
 </file>
 
@@ -3981,6 +3967,9 @@
             </a:pPr>
             <a:r>
               <a:rPr lang="en-IN" sz="2800" b="1" dirty="0">
+                <a:highlight>
+                  <a:srgbClr val="FFFF00"/>
+                </a:highlight>
                 <a:latin typeface="Times New Roman"/>
               </a:rPr>
               <a:t>Spanish 		English</a:t>
@@ -3991,95 +3980,194 @@
               <a:buNone/>
             </a:pPr>
             <a:r>
+              <a:rPr lang="en-IN" sz="2800" dirty="0" err="1">
+                <a:highlight>
+                  <a:srgbClr val="FFFF00"/>
+                </a:highlight>
+                <a:latin typeface="Times New Roman"/>
+              </a:rPr>
+              <a:t>pedir</a:t>
+            </a:r>
+            <a:r>
+              <a:rPr lang="en-IN" sz="2800" dirty="0">
+                <a:highlight>
+                  <a:srgbClr val="FFFF00"/>
+                </a:highlight>
+                <a:latin typeface="Times New Roman"/>
+              </a:rPr>
+              <a:t> (e to </a:t>
+            </a:r>
+            <a:r>
+              <a:rPr lang="en-IN" sz="2800" dirty="0" err="1">
+                <a:highlight>
+                  <a:srgbClr val="FFFF00"/>
+                </a:highlight>
+                <a:latin typeface="Times New Roman"/>
+              </a:rPr>
+              <a:t>i</a:t>
+            </a:r>
+            <a:r>
+              <a:rPr lang="en-IN" sz="2800" dirty="0">
+                <a:highlight>
+                  <a:srgbClr val="FFFF00"/>
+                </a:highlight>
+                <a:latin typeface="Times New Roman"/>
+              </a:rPr>
+              <a:t>) 	to ask for</a:t>
+            </a:r>
+            <a:br>
+              <a:rPr lang="en-IN" sz="2800" dirty="0">
+                <a:highlight>
+                  <a:srgbClr val="FFFF00"/>
+                </a:highlight>
+                <a:latin typeface="Times New Roman"/>
+              </a:rPr>
+            </a:br>
+            <a:r>
               <a:rPr lang="en-IN" sz="2800" i="1" dirty="0" err="1">
+                <a:highlight>
+                  <a:srgbClr val="FFFF00"/>
+                </a:highlight>
+                <a:latin typeface="Times New Roman"/>
+              </a:rPr>
+              <a:t>Vestir</a:t>
+            </a:r>
+            <a:r>
+              <a:rPr lang="en-IN" sz="2800" i="1" dirty="0">
+                <a:highlight>
+                  <a:srgbClr val="FFFF00"/>
+                </a:highlight>
+                <a:latin typeface="Times New Roman"/>
+              </a:rPr>
+              <a:t>-se 		</a:t>
+            </a:r>
+            <a:r>
+              <a:rPr lang="en-IN" sz="2800" dirty="0">
+                <a:highlight>
+                  <a:srgbClr val="FFFF00"/>
+                </a:highlight>
+                <a:latin typeface="Times New Roman"/>
+              </a:rPr>
+              <a:t>to clothe, to dress</a:t>
+            </a:r>
+            <a:br>
+              <a:rPr lang="en-IN" sz="2800" dirty="0">
+                <a:highlight>
+                  <a:srgbClr val="FFFF00"/>
+                </a:highlight>
+                <a:latin typeface="Times New Roman"/>
+              </a:rPr>
+            </a:br>
+            <a:r>
+              <a:rPr lang="en-IN" sz="2800" i="1" dirty="0" err="1">
+                <a:highlight>
+                  <a:srgbClr val="FFFF00"/>
+                </a:highlight>
                 <a:latin typeface="Times New Roman"/>
               </a:rPr>
               <a:t>Competir</a:t>
             </a:r>
             <a:r>
               <a:rPr lang="en-IN" sz="2800" i="1" dirty="0">
+                <a:highlight>
+                  <a:srgbClr val="FFFF00"/>
+                </a:highlight>
                 <a:latin typeface="Times New Roman"/>
               </a:rPr>
               <a:t> 		</a:t>
             </a:r>
             <a:r>
               <a:rPr lang="en-IN" sz="2800" dirty="0">
+                <a:highlight>
+                  <a:srgbClr val="FFFF00"/>
+                </a:highlight>
                 <a:latin typeface="Times New Roman"/>
               </a:rPr>
               <a:t>to compete</a:t>
             </a:r>
-          </a:p>
-          <a:p>
-            <a:pPr marL="0" indent="0">
-              <a:buNone/>
-            </a:pPr>
+            <a:br>
+              <a:rPr lang="en-IN" sz="2800" dirty="0">
+                <a:highlight>
+                  <a:srgbClr val="FFFF00"/>
+                </a:highlight>
+                <a:latin typeface="Times New Roman"/>
+              </a:rPr>
+            </a:br>
             <a:r>
               <a:rPr lang="en-IN" sz="2800" i="1" dirty="0" err="1">
+                <a:highlight>
+                  <a:srgbClr val="FFFF00"/>
+                </a:highlight>
+                <a:latin typeface="Times New Roman"/>
+              </a:rPr>
+              <a:t>servir</a:t>
+            </a:r>
+            <a:r>
+              <a:rPr lang="en-IN" sz="2800" i="1" dirty="0">
+                <a:highlight>
+                  <a:srgbClr val="FFFF00"/>
+                </a:highlight>
+                <a:latin typeface="Times New Roman"/>
+              </a:rPr>
+              <a:t> 		</a:t>
+            </a:r>
+            <a:r>
+              <a:rPr lang="en-IN" sz="2800" dirty="0">
+                <a:highlight>
+                  <a:srgbClr val="FFFF00"/>
+                </a:highlight>
+                <a:latin typeface="Times New Roman"/>
+              </a:rPr>
+              <a:t>to serve</a:t>
+            </a:r>
+            <a:br>
+              <a:rPr lang="en-IN" sz="2800" dirty="0">
+                <a:highlight>
+                  <a:srgbClr val="FFFF00"/>
+                </a:highlight>
+                <a:latin typeface="Times New Roman"/>
+              </a:rPr>
+            </a:br>
+            <a:r>
+              <a:rPr lang="en-IN" sz="2800" i="1" dirty="0" err="1">
+                <a:highlight>
+                  <a:srgbClr val="FFFF00"/>
+                </a:highlight>
                 <a:latin typeface="Times New Roman"/>
               </a:rPr>
               <a:t>repetir</a:t>
             </a:r>
             <a:r>
               <a:rPr lang="en-IN" sz="2800" i="1" dirty="0">
+                <a:highlight>
+                  <a:srgbClr val="FFFF00"/>
+                </a:highlight>
                 <a:latin typeface="Times New Roman"/>
               </a:rPr>
               <a:t> 		</a:t>
             </a:r>
             <a:r>
               <a:rPr lang="en-IN" sz="2800" dirty="0">
+                <a:highlight>
+                  <a:srgbClr val="FFFF00"/>
+                </a:highlight>
                 <a:latin typeface="Times New Roman"/>
               </a:rPr>
               <a:t>to repeat</a:t>
             </a:r>
-          </a:p>
-          <a:p>
-            <a:pPr marL="0" indent="0">
-              <a:buNone/>
-            </a:pPr>
-            <a:r>
-              <a:rPr lang="en-IN" sz="2800" i="1" dirty="0" err="1">
-                <a:latin typeface="Times New Roman"/>
-              </a:rPr>
-              <a:t>servir</a:t>
-            </a:r>
-            <a:r>
-              <a:rPr lang="en-IN" sz="2800" i="1" dirty="0">
-                <a:latin typeface="Times New Roman"/>
-              </a:rPr>
-              <a:t> 		</a:t>
-            </a:r>
-            <a:r>
-              <a:rPr lang="en-IN" sz="2800" dirty="0">
-                <a:latin typeface="Times New Roman"/>
-              </a:rPr>
-              <a:t>to serve</a:t>
-            </a:r>
-          </a:p>
-          <a:p>
-            <a:pPr marL="0" indent="0">
-              <a:buNone/>
-            </a:pPr>
-            <a:r>
-              <a:rPr lang="en-IN" sz="2800" i="1" dirty="0" err="1">
-                <a:latin typeface="Times New Roman"/>
-              </a:rPr>
-              <a:t>Vestir</a:t>
-            </a:r>
-            <a:r>
-              <a:rPr lang="en-IN" sz="2800" i="1" dirty="0">
-                <a:latin typeface="Times New Roman"/>
-              </a:rPr>
-              <a:t>-se 		</a:t>
-            </a:r>
-            <a:r>
-              <a:rPr lang="en-IN" sz="2800" dirty="0">
-                <a:latin typeface="Times New Roman"/>
-              </a:rPr>
-              <a:t>to clothe, to dress</a:t>
-            </a:r>
-            <a:endParaRPr lang="en-IN" sz="2600" u="sng" dirty="0">
-              <a:latin typeface="Times New Roman" pitchFamily="18" charset="0"/>
-              <a:cs typeface="Times New Roman" pitchFamily="18" charset="0"/>
+            <a:br>
+              <a:rPr lang="en-IN" sz="2800" dirty="0">
+                <a:highlight>
+                  <a:srgbClr val="FFFF00"/>
+                </a:highlight>
+                <a:latin typeface="Times New Roman"/>
+              </a:rPr>
+            </a:br>
+            <a:endParaRPr lang="en-IN" sz="2800" dirty="0">
+              <a:highlight>
+                <a:srgbClr val="FFFF00"/>
+              </a:highlight>
+              <a:latin typeface="Times New Roman"/>
             </a:endParaRPr>
           </a:p>
         </p:txBody>
@@ -4094,13 +4182,6 @@
   <p:clrMapOvr>
     <a:masterClrMapping/>
   </p:clrMapOvr>
-  <p:timing>
-    <p:tnLst>
-      <p:par>
-        <p:cTn id="1" dur="indefinite" restart="never" nodeType="tmRoot"/>
-      </p:par>
-    </p:tnLst>
-  </p:timing>
 </p:sld>
 </file>
 
@@ -4291,13 +4372,6 @@
   <p:clrMapOvr>
     <a:masterClrMapping/>
   </p:clrMapOvr>
-  <p:timing>
-    <p:tnLst>
-      <p:par>
-        <p:cTn id="1" dur="indefinite" restart="never" nodeType="tmRoot"/>
-      </p:par>
-    </p:tnLst>
-  </p:timing>
 </p:sld>
 </file>
 
@@ -4455,13 +4529,6 @@
   <p:clrMapOvr>
     <a:masterClrMapping/>
   </p:clrMapOvr>
-  <p:timing>
-    <p:tnLst>
-      <p:par>
-        <p:cTn id="1" dur="indefinite" restart="never" nodeType="tmRoot"/>
-      </p:par>
-    </p:tnLst>
-  </p:timing>
 </p:sld>
 </file>
 
@@ -4892,13 +4959,6 @@
   <p:clrMapOvr>
     <a:masterClrMapping/>
   </p:clrMapOvr>
-  <p:timing>
-    <p:tnLst>
-      <p:par>
-        <p:cTn id="1" dur="indefinite" restart="never" nodeType="tmRoot"/>
-      </p:par>
-    </p:tnLst>
-  </p:timing>
 </p:sld>
 </file>
 
@@ -4937,7 +4997,7 @@
         </p:spPr>
         <p:txBody>
           <a:bodyPr>
-            <a:normAutofit/>
+            <a:noAutofit/>
           </a:bodyPr>
           <a:lstStyle/>
           <a:p>
@@ -4945,63 +5005,124 @@
               <a:buNone/>
             </a:pPr>
             <a:r>
-              <a:rPr lang="en-IN" sz="2800" b="1" i="1" dirty="0">
+              <a:rPr lang="en-IN" sz="2400" b="1" i="1" dirty="0">
+                <a:highlight>
+                  <a:srgbClr val="00FF00"/>
+                </a:highlight>
                 <a:latin typeface="Times New Roman" pitchFamily="18" charset="0"/>
                 <a:cs typeface="Times New Roman" pitchFamily="18" charset="0"/>
               </a:rPr>
               <a:t>-</a:t>
             </a:r>
             <a:r>
-              <a:rPr lang="en-IN" sz="2800" b="1" i="1" dirty="0" err="1">
+              <a:rPr lang="en-IN" sz="2400" b="1" i="1" dirty="0" err="1">
+                <a:highlight>
+                  <a:srgbClr val="00FF00"/>
+                </a:highlight>
                 <a:latin typeface="Times New Roman" pitchFamily="18" charset="0"/>
                 <a:cs typeface="Times New Roman" pitchFamily="18" charset="0"/>
               </a:rPr>
               <a:t>ar</a:t>
             </a:r>
             <a:r>
-              <a:rPr lang="en-IN" sz="2800" b="1" i="1" dirty="0">
+              <a:rPr lang="en-IN" sz="2400" b="1" i="1" dirty="0">
+                <a:highlight>
+                  <a:srgbClr val="00FF00"/>
+                </a:highlight>
                 <a:latin typeface="Times New Roman" pitchFamily="18" charset="0"/>
                 <a:cs typeface="Times New Roman" pitchFamily="18" charset="0"/>
               </a:rPr>
               <a:t> </a:t>
             </a:r>
             <a:r>
-              <a:rPr lang="en-IN" sz="2800" b="1" dirty="0">
+              <a:rPr lang="en-IN" sz="2400" b="1" dirty="0">
+                <a:highlight>
+                  <a:srgbClr val="00FF00"/>
+                </a:highlight>
                 <a:latin typeface="Times New Roman" pitchFamily="18" charset="0"/>
                 <a:cs typeface="Times New Roman" pitchFamily="18" charset="0"/>
               </a:rPr>
               <a:t>: </a:t>
             </a:r>
             <a:r>
-              <a:rPr lang="en-IN" sz="2800" b="1" i="1" dirty="0" err="1">
-                <a:latin typeface="Times New Roman" pitchFamily="18" charset="0"/>
-                <a:cs typeface="Times New Roman" pitchFamily="18" charset="0"/>
-              </a:rPr>
-              <a:t>o</a:t>
-            </a:r>
-            <a:r>
-              <a:rPr lang="en-IN" sz="2800" dirty="0" err="1">
-                <a:latin typeface="Times New Roman" pitchFamily="18" charset="0"/>
-                <a:cs typeface="Times New Roman" pitchFamily="18" charset="0"/>
-              </a:rPr>
-              <a:t>→</a:t>
-            </a:r>
-            <a:r>
-              <a:rPr lang="en-IN" sz="2800" b="1" i="1" dirty="0" err="1">
+              <a:rPr lang="en-IN" sz="2400" b="1" i="1" dirty="0">
+                <a:highlight>
+                  <a:srgbClr val="00FF00"/>
+                </a:highlight>
+                <a:latin typeface="Times New Roman" pitchFamily="18" charset="0"/>
+                <a:cs typeface="Times New Roman" pitchFamily="18" charset="0"/>
+              </a:rPr>
+              <a:t>o </a:t>
+            </a:r>
+            <a:r>
+              <a:rPr lang="en-IN" sz="2400" b="1" i="1" dirty="0">
+                <a:highlight>
+                  <a:srgbClr val="00FF00"/>
+                </a:highlight>
+                <a:latin typeface="Times New Roman" pitchFamily="18" charset="0"/>
+                <a:cs typeface="Times New Roman" pitchFamily="18" charset="0"/>
+                <a:sym typeface="Wingdings" pitchFamily="2" charset="2"/>
+              </a:rPr>
+              <a:t> </a:t>
+            </a:r>
+            <a:r>
+              <a:rPr lang="en-IN" sz="2400" b="1" i="1" dirty="0" err="1">
+                <a:highlight>
+                  <a:srgbClr val="00FF00"/>
+                </a:highlight>
                 <a:latin typeface="Times New Roman" pitchFamily="18" charset="0"/>
                 <a:cs typeface="Times New Roman" pitchFamily="18" charset="0"/>
               </a:rPr>
               <a:t>ue</a:t>
             </a:r>
             <a:r>
-              <a:rPr lang="en-IN" sz="2800" b="1" i="1" dirty="0">
-                <a:latin typeface="Times New Roman" pitchFamily="18" charset="0"/>
-                <a:cs typeface="Times New Roman" pitchFamily="18" charset="0"/>
+              <a:rPr lang="en-IN" sz="2400" b="1" i="1" dirty="0">
+                <a:highlight>
+                  <a:srgbClr val="00FF00"/>
+                </a:highlight>
+                <a:latin typeface="Times New Roman" pitchFamily="18" charset="0"/>
+                <a:cs typeface="Times New Roman" pitchFamily="18" charset="0"/>
+              </a:rPr>
+              <a:t> and e</a:t>
+            </a:r>
+            <a:r>
+              <a:rPr lang="en-IN" sz="2400" b="1" i="1" dirty="0">
+                <a:highlight>
+                  <a:srgbClr val="00FF00"/>
+                </a:highlight>
+                <a:latin typeface="Times New Roman" pitchFamily="18" charset="0"/>
+                <a:cs typeface="Times New Roman" pitchFamily="18" charset="0"/>
+                <a:sym typeface="Wingdings" pitchFamily="2" charset="2"/>
+              </a:rPr>
+              <a:t> </a:t>
+            </a:r>
+            <a:r>
+              <a:rPr lang="en-IN" sz="2400" b="1" i="1" dirty="0" err="1">
+                <a:highlight>
+                  <a:srgbClr val="00FF00"/>
+                </a:highlight>
+                <a:latin typeface="Times New Roman" pitchFamily="18" charset="0"/>
+                <a:cs typeface="Times New Roman" pitchFamily="18" charset="0"/>
+                <a:sym typeface="Wingdings" pitchFamily="2" charset="2"/>
+              </a:rPr>
+              <a:t>ie</a:t>
+            </a:r>
+            <a:r>
+              <a:rPr lang="en-IN" sz="2400" b="1" i="1" dirty="0">
+                <a:highlight>
+                  <a:srgbClr val="00FF00"/>
+                </a:highlight>
+                <a:latin typeface="Times New Roman" pitchFamily="18" charset="0"/>
+                <a:cs typeface="Times New Roman" pitchFamily="18" charset="0"/>
+                <a:sym typeface="Wingdings" pitchFamily="2" charset="2"/>
               </a:rPr>
               <a:t> </a:t>
             </a:r>
             <a:r>
-              <a:rPr lang="en-IN" sz="2800" b="1" dirty="0">
+              <a:rPr lang="en-IN" sz="2400" b="1" dirty="0">
+                <a:highlight>
+                  <a:srgbClr val="00FF00"/>
+                </a:highlight>
                 <a:latin typeface="Times New Roman" pitchFamily="18" charset="0"/>
                 <a:cs typeface="Times New Roman" pitchFamily="18" charset="0"/>
               </a:rPr>
@@ -5013,202 +5134,276 @@
               <a:buNone/>
             </a:pPr>
             <a:r>
-              <a:rPr lang="en-IN" sz="2800" b="1" dirty="0">
-                <a:latin typeface="Times New Roman" pitchFamily="18" charset="0"/>
-                <a:cs typeface="Times New Roman" pitchFamily="18" charset="0"/>
-              </a:rPr>
-              <a:t>	Spanish 				English</a:t>
-            </a:r>
-          </a:p>
-          <a:p>
-            <a:pPr marL="0" indent="0">
-              <a:buNone/>
-            </a:pPr>
-            <a:r>
-              <a:rPr lang="en-IN" sz="2800" i="1" dirty="0">
+              <a:rPr lang="en-IN" sz="2000" b="1" dirty="0">
+                <a:latin typeface="Times New Roman" pitchFamily="18" charset="0"/>
+                <a:cs typeface="Times New Roman" pitchFamily="18" charset="0"/>
+              </a:rPr>
+              <a:t>	Spanish 			English</a:t>
+            </a:r>
+          </a:p>
+          <a:p>
+            <a:pPr marL="0" indent="0">
+              <a:buNone/>
+            </a:pPr>
+            <a:r>
+              <a:rPr lang="en-IN" sz="2000" dirty="0">
                 <a:latin typeface="Times New Roman" pitchFamily="18" charset="0"/>
                 <a:cs typeface="Times New Roman" pitchFamily="18" charset="0"/>
               </a:rPr>
               <a:t>	</a:t>
             </a:r>
             <a:r>
-              <a:rPr lang="en-IN" sz="2800" i="1" dirty="0" err="1">
-                <a:latin typeface="Times New Roman" pitchFamily="18" charset="0"/>
-                <a:cs typeface="Times New Roman" pitchFamily="18" charset="0"/>
-              </a:rPr>
-              <a:t>acostar</a:t>
-            </a:r>
-            <a:r>
-              <a:rPr lang="en-IN" sz="2800" i="1" dirty="0">
-                <a:latin typeface="Times New Roman" pitchFamily="18" charset="0"/>
-                <a:cs typeface="Times New Roman" pitchFamily="18" charset="0"/>
-              </a:rPr>
-              <a:t>-se – me </a:t>
-            </a:r>
-            <a:r>
-              <a:rPr lang="en-IN" sz="2800" i="1" dirty="0" err="1">
-                <a:latin typeface="Times New Roman" pitchFamily="18" charset="0"/>
-                <a:cs typeface="Times New Roman" pitchFamily="18" charset="0"/>
-              </a:rPr>
-              <a:t>acuesto</a:t>
-            </a:r>
-            <a:r>
-              <a:rPr lang="en-IN" sz="2800" i="1" dirty="0">
-                <a:latin typeface="Times New Roman" pitchFamily="18" charset="0"/>
-                <a:cs typeface="Times New Roman" pitchFamily="18" charset="0"/>
-              </a:rPr>
-              <a:t>		</a:t>
-            </a:r>
-            <a:r>
-              <a:rPr lang="en-IN" sz="2800" dirty="0">
-                <a:latin typeface="Times New Roman" pitchFamily="18" charset="0"/>
-                <a:cs typeface="Times New Roman" pitchFamily="18" charset="0"/>
-              </a:rPr>
-              <a:t>to put to bed</a:t>
-            </a:r>
-          </a:p>
-          <a:p>
-            <a:pPr marL="0" indent="0">
-              <a:buNone/>
-            </a:pPr>
-            <a:r>
-              <a:rPr lang="en-IN" sz="2800" i="1" dirty="0">
+              <a:rPr lang="en-IN" sz="2000" dirty="0" err="1">
+                <a:latin typeface="Times New Roman" pitchFamily="18" charset="0"/>
+                <a:cs typeface="Times New Roman" pitchFamily="18" charset="0"/>
+              </a:rPr>
+              <a:t>Despertar</a:t>
+            </a:r>
+            <a:r>
+              <a:rPr lang="en-IN" sz="2000" dirty="0">
+                <a:latin typeface="Times New Roman" pitchFamily="18" charset="0"/>
+                <a:cs typeface="Times New Roman" pitchFamily="18" charset="0"/>
+              </a:rPr>
+              <a:t>-se   (me </a:t>
+            </a:r>
+            <a:r>
+              <a:rPr lang="en-IN" sz="2000" dirty="0" err="1">
+                <a:latin typeface="Times New Roman" pitchFamily="18" charset="0"/>
+                <a:cs typeface="Times New Roman" pitchFamily="18" charset="0"/>
+              </a:rPr>
+              <a:t>despierto</a:t>
+            </a:r>
+            <a:r>
+              <a:rPr lang="en-IN" sz="2000" dirty="0">
+                <a:latin typeface="Times New Roman" pitchFamily="18" charset="0"/>
+                <a:cs typeface="Times New Roman" pitchFamily="18" charset="0"/>
+              </a:rPr>
+              <a:t>)	to wake up</a:t>
+            </a:r>
+          </a:p>
+          <a:p>
+            <a:pPr marL="0" indent="0">
+              <a:buNone/>
+            </a:pPr>
+            <a:r>
+              <a:rPr lang="en-IN" sz="2000" dirty="0">
                 <a:latin typeface="Times New Roman" pitchFamily="18" charset="0"/>
                 <a:cs typeface="Times New Roman" pitchFamily="18" charset="0"/>
               </a:rPr>
               <a:t>	</a:t>
             </a:r>
             <a:r>
-              <a:rPr lang="en-IN" sz="2800" i="1" dirty="0" err="1">
-                <a:latin typeface="Times New Roman" pitchFamily="18" charset="0"/>
-                <a:cs typeface="Times New Roman" pitchFamily="18" charset="0"/>
-              </a:rPr>
-              <a:t>almorzar</a:t>
-            </a:r>
-            <a:r>
-              <a:rPr lang="en-IN" sz="2800" i="1" dirty="0">
-                <a:latin typeface="Times New Roman" pitchFamily="18" charset="0"/>
-                <a:cs typeface="Times New Roman" pitchFamily="18" charset="0"/>
-              </a:rPr>
-              <a:t> 				</a:t>
-            </a:r>
-            <a:r>
-              <a:rPr lang="en-IN" sz="2800" dirty="0">
-                <a:latin typeface="Times New Roman" pitchFamily="18" charset="0"/>
-                <a:cs typeface="Times New Roman" pitchFamily="18" charset="0"/>
-              </a:rPr>
-              <a:t>to eat lunch</a:t>
-            </a:r>
-          </a:p>
-          <a:p>
-            <a:pPr marL="0" indent="0">
-              <a:buNone/>
-            </a:pPr>
-            <a:r>
-              <a:rPr lang="en-IN" sz="2800" i="1" dirty="0">
-                <a:latin typeface="Times New Roman" pitchFamily="18" charset="0"/>
-                <a:cs typeface="Times New Roman" pitchFamily="18" charset="0"/>
-              </a:rPr>
-              <a:t>	</a:t>
-            </a:r>
-            <a:r>
-              <a:rPr lang="en-IN" sz="2800" i="1" dirty="0" err="1">
-                <a:latin typeface="Times New Roman" pitchFamily="18" charset="0"/>
-                <a:cs typeface="Times New Roman" pitchFamily="18" charset="0"/>
-              </a:rPr>
-              <a:t>contar</a:t>
-            </a:r>
-            <a:r>
-              <a:rPr lang="en-IN" sz="2800" i="1" dirty="0">
-                <a:latin typeface="Times New Roman" pitchFamily="18" charset="0"/>
-                <a:cs typeface="Times New Roman" pitchFamily="18" charset="0"/>
-              </a:rPr>
-              <a:t> 				</a:t>
-            </a:r>
-            <a:r>
-              <a:rPr lang="en-IN" sz="2800" dirty="0">
-                <a:latin typeface="Times New Roman" pitchFamily="18" charset="0"/>
-                <a:cs typeface="Times New Roman" pitchFamily="18" charset="0"/>
-              </a:rPr>
-              <a:t>to tell</a:t>
-            </a:r>
-          </a:p>
-          <a:p>
-            <a:pPr marL="0" indent="0">
-              <a:buNone/>
-            </a:pPr>
-            <a:r>
-              <a:rPr lang="en-IN" sz="2800" i="1" dirty="0">
-                <a:latin typeface="Times New Roman" pitchFamily="18" charset="0"/>
-                <a:cs typeface="Times New Roman" pitchFamily="18" charset="0"/>
-              </a:rPr>
-              <a:t>	</a:t>
-            </a:r>
-            <a:r>
-              <a:rPr lang="en-IN" sz="2800" i="1" dirty="0" err="1">
-                <a:latin typeface="Times New Roman" pitchFamily="18" charset="0"/>
-                <a:cs typeface="Times New Roman" pitchFamily="18" charset="0"/>
-              </a:rPr>
-              <a:t>costar</a:t>
-            </a:r>
-            <a:r>
-              <a:rPr lang="en-IN" sz="2800" i="1" dirty="0">
-                <a:latin typeface="Times New Roman" pitchFamily="18" charset="0"/>
-                <a:cs typeface="Times New Roman" pitchFamily="18" charset="0"/>
-              </a:rPr>
-              <a:t> 				</a:t>
-            </a:r>
-            <a:r>
-              <a:rPr lang="en-IN" sz="2800" dirty="0">
-                <a:latin typeface="Times New Roman" pitchFamily="18" charset="0"/>
-                <a:cs typeface="Times New Roman" pitchFamily="18" charset="0"/>
-              </a:rPr>
-              <a:t>to cost</a:t>
-            </a:r>
-          </a:p>
-          <a:p>
-            <a:pPr marL="0" indent="0">
-              <a:buNone/>
-            </a:pPr>
-            <a:r>
-              <a:rPr lang="en-IN" sz="2800" i="1" dirty="0">
-                <a:latin typeface="Times New Roman" pitchFamily="18" charset="0"/>
-                <a:cs typeface="Times New Roman" pitchFamily="18" charset="0"/>
-              </a:rPr>
-              <a:t>	</a:t>
-            </a:r>
-            <a:r>
-              <a:rPr lang="en-IN" sz="2800" i="1" dirty="0" err="1">
+              <a:rPr lang="en-IN" sz="2000" dirty="0" err="1">
+                <a:latin typeface="Times New Roman" pitchFamily="18" charset="0"/>
+                <a:cs typeface="Times New Roman" pitchFamily="18" charset="0"/>
+              </a:rPr>
+              <a:t>Comenzar</a:t>
+            </a:r>
+            <a:r>
+              <a:rPr lang="en-IN" sz="2000" dirty="0">
+                <a:latin typeface="Times New Roman" pitchFamily="18" charset="0"/>
+                <a:cs typeface="Times New Roman" pitchFamily="18" charset="0"/>
+              </a:rPr>
+              <a:t> 			to begin</a:t>
+            </a:r>
+          </a:p>
+          <a:p>
+            <a:pPr marL="0" indent="0">
+              <a:buNone/>
+            </a:pPr>
+            <a:r>
+              <a:rPr lang="en-IN" sz="2000" dirty="0">
                 <a:solidFill>
                   <a:srgbClr val="FF0000"/>
                 </a:solidFill>
                 <a:latin typeface="Times New Roman" pitchFamily="18" charset="0"/>
                 <a:cs typeface="Times New Roman" pitchFamily="18" charset="0"/>
               </a:rPr>
-              <a:t>encontrar</a:t>
-            </a:r>
-            <a:r>
-              <a:rPr lang="en-IN" sz="2800" i="1" dirty="0">
+              <a:t>	</a:t>
+            </a:r>
+            <a:r>
+              <a:rPr lang="en-IN" sz="2000" dirty="0" err="1">
                 <a:solidFill>
                   <a:srgbClr val="FF0000"/>
                 </a:solidFill>
                 <a:latin typeface="Times New Roman" pitchFamily="18" charset="0"/>
                 <a:cs typeface="Times New Roman" pitchFamily="18" charset="0"/>
               </a:rPr>
-              <a:t> 				</a:t>
-            </a:r>
-            <a:r>
-              <a:rPr lang="en-IN" sz="2800" dirty="0">
+              <a:t>Pensar</a:t>
+            </a:r>
+            <a:r>
+              <a:rPr lang="en-IN" sz="2000" dirty="0">
                 <a:solidFill>
                   <a:srgbClr val="FF0000"/>
                 </a:solidFill>
                 <a:latin typeface="Times New Roman" pitchFamily="18" charset="0"/>
                 <a:cs typeface="Times New Roman" pitchFamily="18" charset="0"/>
               </a:rPr>
+              <a:t> 				to think</a:t>
+            </a:r>
+            <a:endParaRPr lang="en-IN" sz="2000" b="1" dirty="0">
+              <a:latin typeface="Times New Roman" pitchFamily="18" charset="0"/>
+              <a:cs typeface="Times New Roman" pitchFamily="18" charset="0"/>
+            </a:endParaRPr>
+          </a:p>
+          <a:p>
+            <a:pPr marL="0" indent="0">
+              <a:buNone/>
+            </a:pPr>
+            <a:r>
+              <a:rPr lang="en-IN" sz="2000" i="1" dirty="0">
+                <a:latin typeface="Times New Roman" pitchFamily="18" charset="0"/>
+                <a:cs typeface="Times New Roman" pitchFamily="18" charset="0"/>
+              </a:rPr>
+              <a:t>	</a:t>
+            </a:r>
+            <a:r>
+              <a:rPr lang="en-IN" sz="2000" i="1" dirty="0" err="1">
+                <a:latin typeface="Times New Roman" pitchFamily="18" charset="0"/>
+                <a:cs typeface="Times New Roman" pitchFamily="18" charset="0"/>
+              </a:rPr>
+              <a:t>Contar</a:t>
+            </a:r>
+            <a:r>
+              <a:rPr lang="en-IN" sz="2000" i="1" dirty="0">
+                <a:latin typeface="Times New Roman" pitchFamily="18" charset="0"/>
+                <a:cs typeface="Times New Roman" pitchFamily="18" charset="0"/>
+              </a:rPr>
+              <a:t> 				</a:t>
+            </a:r>
+            <a:r>
+              <a:rPr lang="en-IN" sz="2000" dirty="0">
+                <a:latin typeface="Times New Roman" pitchFamily="18" charset="0"/>
+                <a:cs typeface="Times New Roman" pitchFamily="18" charset="0"/>
+              </a:rPr>
+              <a:t>to tell</a:t>
+            </a:r>
+            <a:br>
+              <a:rPr lang="en-IN" sz="2000" dirty="0">
+                <a:latin typeface="Times New Roman" pitchFamily="18" charset="0"/>
+                <a:cs typeface="Times New Roman" pitchFamily="18" charset="0"/>
+              </a:rPr>
+            </a:br>
+            <a:r>
+              <a:rPr lang="en-IN" sz="2000" dirty="0">
+                <a:latin typeface="Times New Roman" pitchFamily="18" charset="0"/>
+                <a:cs typeface="Times New Roman" pitchFamily="18" charset="0"/>
+              </a:rPr>
+              <a:t>	</a:t>
+            </a:r>
+            <a:r>
+              <a:rPr lang="en-IN" sz="2000" dirty="0" err="1">
+                <a:latin typeface="Times New Roman" pitchFamily="18" charset="0"/>
+                <a:cs typeface="Times New Roman" pitchFamily="18" charset="0"/>
+              </a:rPr>
+              <a:t>demost</a:t>
+            </a:r>
+            <a:r>
+              <a:rPr lang="en-IN" sz="2000" dirty="0" err="1">
+                <a:solidFill>
+                  <a:srgbClr val="FF0000"/>
+                </a:solidFill>
+                <a:highlight>
+                  <a:srgbClr val="FFFF00"/>
+                </a:highlight>
+                <a:latin typeface="Times New Roman" pitchFamily="18" charset="0"/>
+                <a:cs typeface="Times New Roman" pitchFamily="18" charset="0"/>
+              </a:rPr>
+              <a:t>rar</a:t>
+            </a:r>
+            <a:r>
+              <a:rPr lang="en-IN" sz="2000" dirty="0">
+                <a:latin typeface="Times New Roman" pitchFamily="18" charset="0"/>
+                <a:cs typeface="Times New Roman" pitchFamily="18" charset="0"/>
+              </a:rPr>
+              <a:t> 			to demonstrate; to prove</a:t>
+            </a:r>
+          </a:p>
+          <a:p>
+            <a:pPr marL="0" indent="0">
+              <a:buNone/>
+            </a:pPr>
+            <a:r>
+              <a:rPr lang="en-IN" sz="2000" dirty="0">
+                <a:latin typeface="Times New Roman" pitchFamily="18" charset="0"/>
+                <a:cs typeface="Times New Roman" pitchFamily="18" charset="0"/>
+              </a:rPr>
+              <a:t>	</a:t>
+            </a:r>
+            <a:r>
+              <a:rPr lang="en-IN" sz="2000" dirty="0" err="1">
+                <a:latin typeface="Times New Roman" pitchFamily="18" charset="0"/>
+                <a:cs typeface="Times New Roman" pitchFamily="18" charset="0"/>
+              </a:rPr>
+              <a:t>Atravesar</a:t>
+            </a:r>
+            <a:r>
+              <a:rPr lang="en-IN" sz="2000" dirty="0">
+                <a:latin typeface="Times New Roman" pitchFamily="18" charset="0"/>
+                <a:cs typeface="Times New Roman" pitchFamily="18" charset="0"/>
+              </a:rPr>
+              <a:t> 			to go through</a:t>
+            </a:r>
+          </a:p>
+          <a:p>
+            <a:pPr marL="0" indent="0">
+              <a:buNone/>
+            </a:pPr>
+            <a:r>
+              <a:rPr lang="en-IN" sz="2000" i="1" dirty="0">
+                <a:solidFill>
+                  <a:srgbClr val="FF0000"/>
+                </a:solidFill>
+                <a:latin typeface="Times New Roman" pitchFamily="18" charset="0"/>
+                <a:cs typeface="Times New Roman" pitchFamily="18" charset="0"/>
+              </a:rPr>
+              <a:t>	</a:t>
+            </a:r>
+            <a:r>
+              <a:rPr lang="en-IN" sz="2000" i="1" dirty="0" err="1">
+                <a:solidFill>
+                  <a:srgbClr val="FF0000"/>
+                </a:solidFill>
+                <a:latin typeface="Times New Roman" pitchFamily="18" charset="0"/>
+                <a:cs typeface="Times New Roman" pitchFamily="18" charset="0"/>
+              </a:rPr>
+              <a:t>Encont</a:t>
+            </a:r>
+            <a:r>
+              <a:rPr lang="en-IN" sz="2000" i="1" dirty="0" err="1">
+                <a:solidFill>
+                  <a:srgbClr val="FF0000"/>
+                </a:solidFill>
+                <a:highlight>
+                  <a:srgbClr val="FFFF00"/>
+                </a:highlight>
+                <a:latin typeface="Times New Roman" pitchFamily="18" charset="0"/>
+                <a:cs typeface="Times New Roman" pitchFamily="18" charset="0"/>
+              </a:rPr>
+              <a:t>rar</a:t>
+            </a:r>
+            <a:r>
+              <a:rPr lang="en-IN" sz="2000" i="1" dirty="0">
+                <a:solidFill>
+                  <a:srgbClr val="FF0000"/>
+                </a:solidFill>
+                <a:latin typeface="Times New Roman" pitchFamily="18" charset="0"/>
+                <a:cs typeface="Times New Roman" pitchFamily="18" charset="0"/>
+              </a:rPr>
+              <a:t> 			</a:t>
+            </a:r>
+            <a:r>
+              <a:rPr lang="en-IN" sz="2000" dirty="0">
+                <a:solidFill>
+                  <a:srgbClr val="FF0000"/>
+                </a:solidFill>
+                <a:latin typeface="Times New Roman" pitchFamily="18" charset="0"/>
+                <a:cs typeface="Times New Roman" pitchFamily="18" charset="0"/>
+              </a:rPr>
               <a:t>to mee</a:t>
             </a:r>
             <a:r>
-              <a:rPr lang="en-IN" sz="2800" dirty="0">
+              <a:rPr lang="en-IN" sz="2000" dirty="0">
                 <a:latin typeface="Times New Roman" pitchFamily="18" charset="0"/>
                 <a:cs typeface="Times New Roman" pitchFamily="18" charset="0"/>
               </a:rPr>
@@ -5220,54 +5415,159 @@
               <a:buNone/>
             </a:pPr>
             <a:r>
-              <a:rPr lang="en-IN" sz="2800" dirty="0">
+              <a:rPr lang="en-IN" sz="2000" i="1" dirty="0">
                 <a:latin typeface="Times New Roman" pitchFamily="18" charset="0"/>
                 <a:cs typeface="Times New Roman" pitchFamily="18" charset="0"/>
               </a:rPr>
               <a:t>	</a:t>
             </a:r>
             <a:r>
-              <a:rPr lang="en-IN" sz="2800" dirty="0" err="1">
-                <a:latin typeface="Times New Roman" pitchFamily="18" charset="0"/>
-                <a:cs typeface="Times New Roman" pitchFamily="18" charset="0"/>
-              </a:rPr>
-              <a:t>demostrar</a:t>
-            </a:r>
-            <a:r>
-              <a:rPr lang="en-IN" sz="2800" dirty="0">
-                <a:latin typeface="Times New Roman" pitchFamily="18" charset="0"/>
-                <a:cs typeface="Times New Roman" pitchFamily="18" charset="0"/>
-              </a:rPr>
-              <a:t> 				to demonstrate; to prove</a:t>
-            </a:r>
-          </a:p>
-          <a:p>
-            <a:pPr marL="0" indent="0">
-              <a:buNone/>
-            </a:pPr>
-            <a:r>
-              <a:rPr lang="en-IN" sz="2800" i="1" dirty="0">
+              <a:rPr lang="en-IN" sz="2000" i="1" dirty="0" err="1">
+                <a:latin typeface="Times New Roman" pitchFamily="18" charset="0"/>
+                <a:cs typeface="Times New Roman" pitchFamily="18" charset="0"/>
+              </a:rPr>
+              <a:t>Almorzar</a:t>
+            </a:r>
+            <a:r>
+              <a:rPr lang="en-IN" sz="2000" i="1" dirty="0">
+                <a:latin typeface="Times New Roman" pitchFamily="18" charset="0"/>
+                <a:cs typeface="Times New Roman" pitchFamily="18" charset="0"/>
+              </a:rPr>
+              <a:t> 			</a:t>
+            </a:r>
+            <a:r>
+              <a:rPr lang="en-IN" sz="2000" dirty="0">
+                <a:latin typeface="Times New Roman" pitchFamily="18" charset="0"/>
+                <a:cs typeface="Times New Roman" pitchFamily="18" charset="0"/>
+              </a:rPr>
+              <a:t>to eat lunch</a:t>
+            </a:r>
+          </a:p>
+          <a:p>
+            <a:pPr marL="0" indent="0">
+              <a:buNone/>
+            </a:pPr>
+            <a:r>
+              <a:rPr lang="en-IN" sz="2000" dirty="0">
                 <a:latin typeface="Times New Roman" pitchFamily="18" charset="0"/>
                 <a:cs typeface="Times New Roman" pitchFamily="18" charset="0"/>
               </a:rPr>
               <a:t>	</a:t>
             </a:r>
             <a:r>
-              <a:rPr lang="en-IN" sz="2800" i="1" dirty="0" err="1">
-                <a:latin typeface="Times New Roman" pitchFamily="18" charset="0"/>
-                <a:cs typeface="Times New Roman" pitchFamily="18" charset="0"/>
-              </a:rPr>
-              <a:t>forzar</a:t>
-            </a:r>
-            <a:r>
-              <a:rPr lang="en-IN" sz="2800" i="1" dirty="0">
+              <a:rPr lang="en-IN" sz="2000" dirty="0" err="1">
+                <a:latin typeface="Times New Roman" pitchFamily="18" charset="0"/>
+                <a:cs typeface="Times New Roman" pitchFamily="18" charset="0"/>
+              </a:rPr>
+              <a:t>Sentar</a:t>
+            </a:r>
+            <a:r>
+              <a:rPr lang="en-IN" sz="2000" dirty="0">
+                <a:latin typeface="Times New Roman" pitchFamily="18" charset="0"/>
+                <a:cs typeface="Times New Roman" pitchFamily="18" charset="0"/>
+              </a:rPr>
+              <a:t>-se 			to sit down</a:t>
+            </a:r>
+          </a:p>
+          <a:p>
+            <a:pPr marL="0" indent="0">
+              <a:buNone/>
+            </a:pPr>
+            <a:r>
+              <a:rPr lang="en-IN" sz="2000" dirty="0">
+                <a:latin typeface="Times New Roman" pitchFamily="18" charset="0"/>
+                <a:cs typeface="Times New Roman" pitchFamily="18" charset="0"/>
+              </a:rPr>
+              <a:t>	</a:t>
+            </a:r>
+            <a:r>
+              <a:rPr lang="en-IN" sz="2000" dirty="0" err="1">
+                <a:latin typeface="Times New Roman" pitchFamily="18" charset="0"/>
+                <a:cs typeface="Times New Roman" pitchFamily="18" charset="0"/>
+              </a:rPr>
+              <a:t>Confesar</a:t>
+            </a:r>
+            <a:r>
+              <a:rPr lang="en-IN" sz="2000" dirty="0">
+                <a:latin typeface="Times New Roman" pitchFamily="18" charset="0"/>
+                <a:cs typeface="Times New Roman" pitchFamily="18" charset="0"/>
+              </a:rPr>
+              <a:t> 			to confess</a:t>
+            </a:r>
+          </a:p>
+          <a:p>
+            <a:pPr marL="0" indent="0">
+              <a:buNone/>
+            </a:pPr>
+            <a:r>
+              <a:rPr lang="en-IN" sz="2000" i="1" dirty="0">
+                <a:latin typeface="Times New Roman" pitchFamily="18" charset="0"/>
+                <a:cs typeface="Times New Roman" pitchFamily="18" charset="0"/>
+              </a:rPr>
+              <a:t>	</a:t>
+            </a:r>
+            <a:r>
+              <a:rPr lang="en-IN" sz="2000" i="1" dirty="0" err="1">
+                <a:latin typeface="Times New Roman" pitchFamily="18" charset="0"/>
+                <a:cs typeface="Times New Roman" pitchFamily="18" charset="0"/>
+              </a:rPr>
+              <a:t>Most</a:t>
+            </a:r>
+            <a:r>
+              <a:rPr lang="en-IN" sz="2000" b="1" i="1" dirty="0" err="1">
+                <a:solidFill>
+                  <a:srgbClr val="FF0000"/>
+                </a:solidFill>
+                <a:highlight>
+                  <a:srgbClr val="FFFF00"/>
+                </a:highlight>
+                <a:latin typeface="Times New Roman" pitchFamily="18" charset="0"/>
+                <a:cs typeface="Times New Roman" pitchFamily="18" charset="0"/>
+              </a:rPr>
+              <a:t>rar</a:t>
+            </a:r>
+            <a:r>
+              <a:rPr lang="en-IN" sz="2000" i="1" dirty="0">
                 <a:latin typeface="Times New Roman" pitchFamily="18" charset="0"/>
                 <a:cs typeface="Times New Roman" pitchFamily="18" charset="0"/>
               </a:rPr>
               <a:t> 				</a:t>
             </a:r>
             <a:r>
-              <a:rPr lang="en-IN" sz="2800" dirty="0">
+              <a:rPr lang="en-IN" sz="2000" dirty="0">
+                <a:latin typeface="Times New Roman" pitchFamily="18" charset="0"/>
+                <a:cs typeface="Times New Roman" pitchFamily="18" charset="0"/>
+              </a:rPr>
+              <a:t>to show</a:t>
+            </a:r>
+          </a:p>
+          <a:p>
+            <a:pPr marL="0" indent="0">
+              <a:buNone/>
+            </a:pPr>
+            <a:r>
+              <a:rPr lang="en-IN" sz="2000" i="1" dirty="0">
+                <a:latin typeface="Times New Roman" pitchFamily="18" charset="0"/>
+                <a:cs typeface="Times New Roman" pitchFamily="18" charset="0"/>
+              </a:rPr>
+              <a:t>	</a:t>
+            </a:r>
+            <a:r>
+              <a:rPr lang="en-IN" sz="2000" i="1" dirty="0" err="1">
+                <a:latin typeface="Times New Roman" pitchFamily="18" charset="0"/>
+                <a:cs typeface="Times New Roman" pitchFamily="18" charset="0"/>
+              </a:rPr>
+              <a:t>Forzar</a:t>
+            </a:r>
+            <a:r>
+              <a:rPr lang="en-IN" sz="2000" i="1" dirty="0">
+                <a:latin typeface="Times New Roman" pitchFamily="18" charset="0"/>
+                <a:cs typeface="Times New Roman" pitchFamily="18" charset="0"/>
+              </a:rPr>
+              <a:t> 				</a:t>
+            </a:r>
+            <a:r>
+              <a:rPr lang="en-IN" sz="2000" dirty="0">
                 <a:latin typeface="Times New Roman" pitchFamily="18" charset="0"/>
                 <a:cs typeface="Times New Roman" pitchFamily="18" charset="0"/>
               </a:rPr>
@@ -5279,58 +5579,157 @@
               <a:buNone/>
             </a:pPr>
             <a:r>
-              <a:rPr lang="en-IN" sz="2800" i="1" dirty="0">
+              <a:rPr lang="en-IN" sz="2000" dirty="0">
                 <a:latin typeface="Times New Roman" pitchFamily="18" charset="0"/>
                 <a:cs typeface="Times New Roman" pitchFamily="18" charset="0"/>
               </a:rPr>
               <a:t>	</a:t>
             </a:r>
             <a:r>
-              <a:rPr lang="en-IN" sz="2800" i="1" dirty="0" err="1">
-                <a:latin typeface="Times New Roman" pitchFamily="18" charset="0"/>
-                <a:cs typeface="Times New Roman" pitchFamily="18" charset="0"/>
-              </a:rPr>
-              <a:t>mostrar</a:t>
-            </a:r>
-            <a:r>
-              <a:rPr lang="en-IN" sz="2800" i="1" dirty="0">
+              <a:rPr lang="en-IN" sz="2000" dirty="0" err="1">
+                <a:latin typeface="Times New Roman" pitchFamily="18" charset="0"/>
+                <a:cs typeface="Times New Roman" pitchFamily="18" charset="0"/>
+              </a:rPr>
+              <a:t>Recomendar</a:t>
+            </a:r>
+            <a:r>
+              <a:rPr lang="en-IN" sz="2000" dirty="0">
+                <a:latin typeface="Times New Roman" pitchFamily="18" charset="0"/>
+                <a:cs typeface="Times New Roman" pitchFamily="18" charset="0"/>
+              </a:rPr>
+              <a:t> 		  	to recommend</a:t>
+            </a:r>
+          </a:p>
+          <a:p>
+            <a:pPr marL="0" indent="0">
+              <a:buNone/>
+            </a:pPr>
+            <a:r>
+              <a:rPr lang="en-IN" sz="2000" dirty="0">
+                <a:latin typeface="Times New Roman" pitchFamily="18" charset="0"/>
+                <a:cs typeface="Times New Roman" pitchFamily="18" charset="0"/>
+              </a:rPr>
+              <a:t>	</a:t>
+            </a:r>
+            <a:r>
+              <a:rPr lang="en-IN" sz="2000" i="1" dirty="0" err="1">
+                <a:latin typeface="Times New Roman" pitchFamily="18" charset="0"/>
+                <a:cs typeface="Times New Roman" pitchFamily="18" charset="0"/>
+              </a:rPr>
+              <a:t>Costar</a:t>
+            </a:r>
+            <a:r>
+              <a:rPr lang="en-IN" sz="2000" i="1" dirty="0">
                 <a:latin typeface="Times New Roman" pitchFamily="18" charset="0"/>
                 <a:cs typeface="Times New Roman" pitchFamily="18" charset="0"/>
               </a:rPr>
               <a:t> 				</a:t>
             </a:r>
             <a:r>
-              <a:rPr lang="en-IN" sz="2800" dirty="0">
-                <a:latin typeface="Times New Roman" pitchFamily="18" charset="0"/>
-                <a:cs typeface="Times New Roman" pitchFamily="18" charset="0"/>
-              </a:rPr>
-              <a:t>to show</a:t>
-            </a:r>
-          </a:p>
-          <a:p>
-            <a:pPr marL="0" indent="0">
-              <a:buNone/>
-            </a:pPr>
-            <a:r>
-              <a:rPr lang="en-IN" sz="2800" dirty="0">
+              <a:rPr lang="en-IN" sz="2000" dirty="0">
+                <a:latin typeface="Times New Roman" pitchFamily="18" charset="0"/>
+                <a:cs typeface="Times New Roman" pitchFamily="18" charset="0"/>
+              </a:rPr>
+              <a:t>to cost</a:t>
+            </a:r>
+          </a:p>
+          <a:p>
+            <a:pPr marL="0" indent="0">
+              <a:buNone/>
+            </a:pPr>
+            <a:r>
+              <a:rPr lang="en-IN" sz="2000" dirty="0">
                 <a:latin typeface="Times New Roman" pitchFamily="18" charset="0"/>
                 <a:cs typeface="Times New Roman" pitchFamily="18" charset="0"/>
               </a:rPr>
               <a:t>	</a:t>
             </a:r>
             <a:r>
-              <a:rPr lang="en-IN" sz="2800" dirty="0" err="1">
-                <a:latin typeface="Times New Roman" pitchFamily="18" charset="0"/>
-                <a:cs typeface="Times New Roman" pitchFamily="18" charset="0"/>
-              </a:rPr>
-              <a:t>recordar</a:t>
-            </a:r>
-            <a:r>
-              <a:rPr lang="en-IN" sz="2800" dirty="0">
-                <a:latin typeface="Times New Roman" pitchFamily="18" charset="0"/>
-                <a:cs typeface="Times New Roman" pitchFamily="18" charset="0"/>
-              </a:rPr>
-              <a:t> 				to remember</a:t>
+              <a:rPr lang="en-IN" sz="2000" dirty="0" err="1">
+                <a:latin typeface="Times New Roman" pitchFamily="18" charset="0"/>
+                <a:cs typeface="Times New Roman" pitchFamily="18" charset="0"/>
+              </a:rPr>
+              <a:t>Recordar</a:t>
+            </a:r>
+            <a:r>
+              <a:rPr lang="en-IN" sz="2000" dirty="0">
+                <a:latin typeface="Times New Roman" pitchFamily="18" charset="0"/>
+                <a:cs typeface="Times New Roman" pitchFamily="18" charset="0"/>
+              </a:rPr>
+              <a:t> 			to remember</a:t>
+            </a:r>
+          </a:p>
+          <a:p>
+            <a:pPr marL="0" indent="0">
+              <a:buNone/>
+            </a:pPr>
+            <a:r>
+              <a:rPr lang="en-IN" sz="2000" dirty="0">
+                <a:latin typeface="Times New Roman" pitchFamily="18" charset="0"/>
+                <a:cs typeface="Times New Roman" pitchFamily="18" charset="0"/>
+              </a:rPr>
+              <a:t>	</a:t>
+            </a:r>
+            <a:r>
+              <a:rPr lang="en-IN" sz="2000" dirty="0" err="1">
+                <a:latin typeface="Times New Roman" pitchFamily="18" charset="0"/>
+                <a:cs typeface="Times New Roman" pitchFamily="18" charset="0"/>
+              </a:rPr>
+              <a:t>Cerrar</a:t>
+            </a:r>
+            <a:r>
+              <a:rPr lang="en-IN" sz="2000" dirty="0">
+                <a:latin typeface="Times New Roman" pitchFamily="18" charset="0"/>
+                <a:cs typeface="Times New Roman" pitchFamily="18" charset="0"/>
+              </a:rPr>
+              <a:t> 				to close</a:t>
+            </a:r>
+          </a:p>
+          <a:p>
+            <a:pPr marL="0" indent="0">
+              <a:buNone/>
+            </a:pPr>
+            <a:r>
+              <a:rPr lang="en-IN" sz="2000" i="1" dirty="0">
+                <a:latin typeface="Times New Roman" pitchFamily="18" charset="0"/>
+                <a:cs typeface="Times New Roman" pitchFamily="18" charset="0"/>
+              </a:rPr>
+              <a:t>	</a:t>
+            </a:r>
+            <a:r>
+              <a:rPr lang="en-IN" sz="2000" i="1" dirty="0" err="1">
+                <a:latin typeface="Times New Roman" pitchFamily="18" charset="0"/>
+                <a:cs typeface="Times New Roman" pitchFamily="18" charset="0"/>
+              </a:rPr>
+              <a:t>Acostar</a:t>
+            </a:r>
+            <a:r>
+              <a:rPr lang="en-IN" sz="2000" i="1" dirty="0">
+                <a:latin typeface="Times New Roman" pitchFamily="18" charset="0"/>
+                <a:cs typeface="Times New Roman" pitchFamily="18" charset="0"/>
+              </a:rPr>
+              <a:t>-se – me </a:t>
+            </a:r>
+            <a:r>
+              <a:rPr lang="en-IN" sz="2000" i="1" dirty="0" err="1">
+                <a:latin typeface="Times New Roman" pitchFamily="18" charset="0"/>
+                <a:cs typeface="Times New Roman" pitchFamily="18" charset="0"/>
+              </a:rPr>
+              <a:t>acuesto</a:t>
+            </a:r>
+            <a:r>
+              <a:rPr lang="en-IN" sz="2000" i="1" dirty="0">
+                <a:latin typeface="Times New Roman" pitchFamily="18" charset="0"/>
+                <a:cs typeface="Times New Roman" pitchFamily="18" charset="0"/>
+              </a:rPr>
+              <a:t>		</a:t>
+            </a:r>
+            <a:r>
+              <a:rPr lang="en-IN" sz="2000" dirty="0">
+                <a:latin typeface="Times New Roman" pitchFamily="18" charset="0"/>
+                <a:cs typeface="Times New Roman" pitchFamily="18" charset="0"/>
+              </a:rPr>
+              <a:t>to put to bed</a:t>
             </a:r>
           </a:p>
         </p:txBody>
@@ -5345,13 +5744,6 @@
   <p:clrMapOvr>
     <a:masterClrMapping/>
   </p:clrMapOvr>
-  <p:timing>
-    <p:tnLst>
-      <p:par>
-        <p:cTn id="1" dur="indefinite" restart="never" nodeType="tmRoot"/>
-      </p:par>
-    </p:tnLst>
-  </p:timing>
 </p:sld>
 </file>
 
@@ -5399,78 +5791,129 @@
             </a:pPr>
             <a:r>
               <a:rPr lang="en-IN" sz="2800" b="1" dirty="0">
+                <a:highlight>
+                  <a:srgbClr val="00FF00"/>
+                </a:highlight>
                 <a:latin typeface="Times New Roman" pitchFamily="18" charset="0"/>
                 <a:cs typeface="Times New Roman" pitchFamily="18" charset="0"/>
               </a:rPr>
               <a:t>-</a:t>
             </a:r>
             <a:r>
+              <a:rPr lang="en-IN" sz="2800" b="1" i="1" dirty="0">
+                <a:highlight>
+                  <a:srgbClr val="00FF00"/>
+                </a:highlight>
+                <a:latin typeface="Times New Roman" pitchFamily="18" charset="0"/>
+                <a:cs typeface="Times New Roman" pitchFamily="18" charset="0"/>
+              </a:rPr>
+              <a:t>er </a:t>
+            </a:r>
+            <a:r>
+              <a:rPr lang="en-IN" sz="2800" b="1" dirty="0">
+                <a:highlight>
+                  <a:srgbClr val="00FF00"/>
+                </a:highlight>
+                <a:latin typeface="Times New Roman" pitchFamily="18" charset="0"/>
+                <a:cs typeface="Times New Roman" pitchFamily="18" charset="0"/>
+              </a:rPr>
+              <a:t>: </a:t>
+            </a:r>
+            <a:r>
+              <a:rPr lang="en-IN" sz="2800" b="1" i="1" dirty="0">
+                <a:highlight>
+                  <a:srgbClr val="00FF00"/>
+                </a:highlight>
+                <a:latin typeface="Times New Roman" pitchFamily="18" charset="0"/>
+                <a:cs typeface="Times New Roman" pitchFamily="18" charset="0"/>
+              </a:rPr>
+              <a:t>o </a:t>
+            </a:r>
+            <a:r>
+              <a:rPr lang="en-IN" sz="2800" b="1" i="1" dirty="0">
+                <a:highlight>
+                  <a:srgbClr val="00FF00"/>
+                </a:highlight>
+                <a:latin typeface="Times New Roman" pitchFamily="18" charset="0"/>
+                <a:cs typeface="Times New Roman" pitchFamily="18" charset="0"/>
+                <a:sym typeface="Wingdings" pitchFamily="2" charset="2"/>
+              </a:rPr>
+              <a:t> </a:t>
+            </a:r>
+            <a:r>
               <a:rPr lang="en-IN" sz="2800" b="1" i="1" dirty="0" err="1">
-                <a:latin typeface="Times New Roman" pitchFamily="18" charset="0"/>
-                <a:cs typeface="Times New Roman" pitchFamily="18" charset="0"/>
-              </a:rPr>
-              <a:t>er</a:t>
+                <a:highlight>
+                  <a:srgbClr val="00FF00"/>
+                </a:highlight>
+                <a:latin typeface="Times New Roman" pitchFamily="18" charset="0"/>
+                <a:cs typeface="Times New Roman" pitchFamily="18" charset="0"/>
+              </a:rPr>
+              <a:t>ue</a:t>
             </a:r>
             <a:r>
               <a:rPr lang="en-IN" sz="2800" b="1" i="1" dirty="0">
-                <a:latin typeface="Times New Roman" pitchFamily="18" charset="0"/>
-                <a:cs typeface="Times New Roman" pitchFamily="18" charset="0"/>
+                <a:highlight>
+                  <a:srgbClr val="00FF00"/>
+                </a:highlight>
+                <a:latin typeface="Times New Roman" pitchFamily="18" charset="0"/>
+                <a:cs typeface="Times New Roman" pitchFamily="18" charset="0"/>
+              </a:rPr>
+              <a:t> and e</a:t>
+            </a:r>
+            <a:r>
+              <a:rPr lang="en-IN" sz="2800" b="1" i="1" dirty="0">
+                <a:highlight>
+                  <a:srgbClr val="00FF00"/>
+                </a:highlight>
+                <a:latin typeface="Times New Roman" pitchFamily="18" charset="0"/>
+                <a:cs typeface="Times New Roman" pitchFamily="18" charset="0"/>
+                <a:sym typeface="Wingdings" pitchFamily="2" charset="2"/>
+              </a:rPr>
+              <a:t> </a:t>
+            </a:r>
+            <a:r>
+              <a:rPr lang="en-IN" sz="2800" b="1" i="1" dirty="0" err="1">
+                <a:highlight>
+                  <a:srgbClr val="00FF00"/>
+                </a:highlight>
+                <a:latin typeface="Times New Roman" pitchFamily="18" charset="0"/>
+                <a:cs typeface="Times New Roman" pitchFamily="18" charset="0"/>
+                <a:sym typeface="Wingdings" pitchFamily="2" charset="2"/>
+              </a:rPr>
+              <a:t>ie</a:t>
+            </a:r>
+            <a:r>
+              <a:rPr lang="en-IN" sz="2800" b="1" i="1" dirty="0">
+                <a:highlight>
+                  <a:srgbClr val="00FF00"/>
+                </a:highlight>
+                <a:latin typeface="Times New Roman" pitchFamily="18" charset="0"/>
+                <a:cs typeface="Times New Roman" pitchFamily="18" charset="0"/>
+                <a:sym typeface="Wingdings" pitchFamily="2" charset="2"/>
               </a:rPr>
               <a:t> </a:t>
             </a:r>
             <a:r>
               <a:rPr lang="en-IN" sz="2800" b="1" dirty="0">
-                <a:latin typeface="Times New Roman" pitchFamily="18" charset="0"/>
-                <a:cs typeface="Times New Roman" pitchFamily="18" charset="0"/>
-              </a:rPr>
-              <a:t>: </a:t>
-            </a:r>
-            <a:r>
-              <a:rPr lang="en-IN" sz="2800" b="1" i="1" dirty="0" err="1">
-                <a:latin typeface="Times New Roman" pitchFamily="18" charset="0"/>
-                <a:cs typeface="Times New Roman" pitchFamily="18" charset="0"/>
-              </a:rPr>
-              <a:t>o</a:t>
-            </a:r>
-            <a:r>
-              <a:rPr lang="en-IN" sz="2800" dirty="0" err="1">
-                <a:latin typeface="Times New Roman" pitchFamily="18" charset="0"/>
-                <a:cs typeface="Times New Roman" pitchFamily="18" charset="0"/>
-              </a:rPr>
-              <a:t>→</a:t>
-            </a:r>
-            <a:r>
-              <a:rPr lang="en-IN" sz="2800" b="1" i="1" dirty="0" err="1">
-                <a:latin typeface="Times New Roman" pitchFamily="18" charset="0"/>
-                <a:cs typeface="Times New Roman" pitchFamily="18" charset="0"/>
-              </a:rPr>
-              <a:t>ue</a:t>
-            </a:r>
-            <a:r>
-              <a:rPr lang="en-IN" sz="2800" b="1" i="1" dirty="0">
-                <a:latin typeface="Times New Roman" pitchFamily="18" charset="0"/>
-                <a:cs typeface="Times New Roman" pitchFamily="18" charset="0"/>
-              </a:rPr>
-              <a:t> </a:t>
-            </a:r>
+                <a:highlight>
+                  <a:srgbClr val="00FF00"/>
+                </a:highlight>
+                <a:latin typeface="Times New Roman" pitchFamily="18" charset="0"/>
+                <a:cs typeface="Times New Roman" pitchFamily="18" charset="0"/>
+              </a:rPr>
+              <a:t>Verbs</a:t>
+            </a:r>
+          </a:p>
+          <a:p>
+            <a:pPr marL="0" indent="0">
+              <a:buNone/>
+            </a:pPr>
             <a:r>
               <a:rPr lang="en-IN" sz="2800" b="1" dirty="0">
                 <a:latin typeface="Times New Roman" pitchFamily="18" charset="0"/>
                 <a:cs typeface="Times New Roman" pitchFamily="18" charset="0"/>
               </a:rPr>
-              <a:t>Verbs</a:t>
-            </a:r>
-          </a:p>
-          <a:p>
-            <a:pPr marL="0" indent="0">
-              <a:buNone/>
-            </a:pPr>
-            <a:r>
-              <a:rPr lang="en-IN" sz="2800" b="1" dirty="0">
-                <a:latin typeface="Times New Roman" pitchFamily="18" charset="0"/>
-                <a:cs typeface="Times New Roman" pitchFamily="18" charset="0"/>
-              </a:rPr>
-              <a:t>		Spanish 				English</a:t>
+              <a:t>		Spanish 			English</a:t>
             </a:r>
           </a:p>
           <a:p>
@@ -5496,7 +5939,7 @@
                 <a:latin typeface="Times New Roman" pitchFamily="18" charset="0"/>
                 <a:cs typeface="Times New Roman" pitchFamily="18" charset="0"/>
               </a:rPr>
-              <a:t> 				</a:t>
+              <a:t> 			</a:t>
             </a:r>
             <a:r>
               <a:rPr lang="en-IN" sz="2800" dirty="0">
@@ -5547,7 +5990,7 @@
                 <a:latin typeface="Times New Roman" pitchFamily="18" charset="0"/>
                 <a:cs typeface="Times New Roman" pitchFamily="18" charset="0"/>
               </a:rPr>
-              <a:t>		resolver 				</a:t>
+              <a:t>		resolver 			</a:t>
             </a:r>
             <a:r>
               <a:rPr lang="en-IN" sz="2800" dirty="0">
@@ -5566,7 +6009,7 @@
                 <a:latin typeface="Times New Roman" pitchFamily="18" charset="0"/>
                 <a:cs typeface="Times New Roman" pitchFamily="18" charset="0"/>
               </a:rPr>
-              <a:t>		revolver 				</a:t>
+              <a:t>		revolver 			</a:t>
             </a:r>
             <a:r>
               <a:rPr lang="en-IN" sz="2800" dirty="0">
@@ -5599,7 +6042,7 @@
                 <a:latin typeface="Times New Roman" pitchFamily="18" charset="0"/>
                 <a:cs typeface="Times New Roman" pitchFamily="18" charset="0"/>
               </a:rPr>
-              <a:t> 				</a:t>
+              <a:t> 			</a:t>
             </a:r>
             <a:r>
               <a:rPr lang="en-IN" sz="2800" dirty="0">
@@ -5608,6 +6051,179 @@
               </a:rPr>
               <a:t>to return</a:t>
             </a:r>
+          </a:p>
+          <a:p>
+            <a:pPr marL="400050" lvl="1" indent="0">
+              <a:buNone/>
+            </a:pPr>
+            <a:r>
+              <a:rPr lang="en-IN" i="1" dirty="0">
+                <a:latin typeface="Times New Roman"/>
+              </a:rPr>
+              <a:t>		defender 			</a:t>
+            </a:r>
+            <a:r>
+              <a:rPr lang="en-IN" dirty="0">
+                <a:latin typeface="Times New Roman"/>
+              </a:rPr>
+              <a:t>to defend</a:t>
+            </a:r>
+          </a:p>
+          <a:p>
+            <a:pPr marL="400050" lvl="1" indent="0">
+              <a:buNone/>
+            </a:pPr>
+            <a:r>
+              <a:rPr lang="en-IN" i="1" dirty="0">
+                <a:latin typeface="Times New Roman"/>
+              </a:rPr>
+              <a:t>		descender 			</a:t>
+            </a:r>
+            <a:r>
+              <a:rPr lang="en-IN" dirty="0">
+                <a:latin typeface="Times New Roman"/>
+              </a:rPr>
+              <a:t>to descend</a:t>
+            </a:r>
+          </a:p>
+          <a:p>
+            <a:pPr marL="400050" lvl="1" indent="0">
+              <a:buNone/>
+            </a:pPr>
+            <a:r>
+              <a:rPr lang="en-IN" i="1" dirty="0">
+                <a:latin typeface="Times New Roman"/>
+              </a:rPr>
+              <a:t>		</a:t>
+            </a:r>
+            <a:r>
+              <a:rPr lang="en-IN" i="1" dirty="0" err="1">
+                <a:latin typeface="Times New Roman"/>
+              </a:rPr>
+              <a:t>encender</a:t>
+            </a:r>
+            <a:r>
+              <a:rPr lang="en-IN" i="1" dirty="0">
+                <a:latin typeface="Times New Roman"/>
+              </a:rPr>
+              <a:t> 			</a:t>
+            </a:r>
+            <a:r>
+              <a:rPr lang="en-IN" dirty="0">
+                <a:latin typeface="Times New Roman"/>
+              </a:rPr>
+              <a:t>to incite, to light</a:t>
+            </a:r>
+          </a:p>
+          <a:p>
+            <a:pPr marL="400050" lvl="1" indent="0">
+              <a:buNone/>
+            </a:pPr>
+            <a:r>
+              <a:rPr lang="en-IN" i="1" dirty="0">
+                <a:latin typeface="Times New Roman"/>
+              </a:rPr>
+              <a:t>		</a:t>
+            </a:r>
+            <a:r>
+              <a:rPr lang="en-IN" i="1" dirty="0" err="1">
+                <a:solidFill>
+                  <a:srgbClr val="FF0000"/>
+                </a:solidFill>
+                <a:latin typeface="Times New Roman"/>
+              </a:rPr>
+              <a:t>entender</a:t>
+            </a:r>
+            <a:r>
+              <a:rPr lang="en-IN" i="1" dirty="0">
+                <a:solidFill>
+                  <a:srgbClr val="FF0000"/>
+                </a:solidFill>
+                <a:latin typeface="Times New Roman"/>
+              </a:rPr>
+              <a:t> 			</a:t>
+            </a:r>
+            <a:r>
+              <a:rPr lang="en-IN" dirty="0">
+                <a:solidFill>
+                  <a:srgbClr val="FF0000"/>
+                </a:solidFill>
+                <a:latin typeface="Times New Roman"/>
+              </a:rPr>
+              <a:t>to understand</a:t>
+            </a:r>
+          </a:p>
+          <a:p>
+            <a:pPr marL="400050" lvl="1" indent="0">
+              <a:buNone/>
+            </a:pPr>
+            <a:r>
+              <a:rPr lang="en-IN" i="1" dirty="0">
+                <a:latin typeface="Times New Roman"/>
+              </a:rPr>
+              <a:t>		</a:t>
+            </a:r>
+            <a:r>
+              <a:rPr lang="en-IN" i="1" dirty="0" err="1">
+                <a:latin typeface="Times New Roman"/>
+              </a:rPr>
+              <a:t>perder</a:t>
+            </a:r>
+            <a:r>
+              <a:rPr lang="en-IN" i="1" dirty="0">
+                <a:latin typeface="Times New Roman"/>
+              </a:rPr>
+              <a:t> 			</a:t>
+            </a:r>
+            <a:r>
+              <a:rPr lang="en-IN" dirty="0">
+                <a:latin typeface="Times New Roman"/>
+              </a:rPr>
+              <a:t>to lose</a:t>
+            </a:r>
+          </a:p>
+          <a:p>
+            <a:pPr marL="400050" lvl="1" indent="0">
+              <a:buNone/>
+            </a:pPr>
+            <a:r>
+              <a:rPr lang="en-IN" dirty="0">
+                <a:latin typeface="Times New Roman"/>
+              </a:rPr>
+              <a:t>		</a:t>
+            </a:r>
+            <a:r>
+              <a:rPr lang="en-IN" dirty="0" err="1">
+                <a:solidFill>
+                  <a:srgbClr val="FF0000"/>
+                </a:solidFill>
+                <a:latin typeface="Times New Roman"/>
+              </a:rPr>
+              <a:t>Querer</a:t>
+            </a:r>
+            <a:r>
+              <a:rPr lang="en-IN" dirty="0">
+                <a:solidFill>
+                  <a:srgbClr val="FF0000"/>
+                </a:solidFill>
+                <a:latin typeface="Times New Roman"/>
+              </a:rPr>
+              <a:t> 			to want </a:t>
+            </a:r>
+            <a:endParaRPr lang="en-IN" dirty="0">
+              <a:solidFill>
+                <a:srgbClr val="FF0000"/>
+              </a:solidFill>
+            </a:endParaRPr>
+          </a:p>
+          <a:p>
+            <a:pPr marL="0" indent="0">
+              <a:buNone/>
+            </a:pPr>
+            <a:endParaRPr lang="en-IN" sz="2800" dirty="0">
+              <a:latin typeface="Times New Roman" pitchFamily="18" charset="0"/>
+              <a:cs typeface="Times New Roman" pitchFamily="18" charset="0"/>
+            </a:endParaRPr>
           </a:p>
         </p:txBody>
       </p:sp>
@@ -5621,13 +6237,6 @@
   <p:clrMapOvr>
     <a:masterClrMapping/>
   </p:clrMapOvr>
-  <p:timing>
-    <p:tnLst>
-      <p:par>
-        <p:cTn id="1" dur="indefinite" restart="never" nodeType="tmRoot"/>
-      </p:par>
-    </p:tnLst>
-  </p:timing>
 </p:sld>
 </file>
 
@@ -5895,13 +6504,6 @@
   <p:clrMapOvr>
     <a:masterClrMapping/>
   </p:clrMapOvr>
-  <p:timing>
-    <p:tnLst>
-      <p:par>
-        <p:cTn id="1" dur="indefinite" restart="never" nodeType="tmRoot"/>
-      </p:par>
-    </p:tnLst>
-  </p:timing>
 </p:sld>
 </file>
 
@@ -6328,49 +6930,21 @@
                 <a:latin typeface="Times New Roman" pitchFamily="18" charset="0"/>
                 <a:cs typeface="Times New Roman" pitchFamily="18" charset="0"/>
               </a:rPr>
-              <a:t>-se  </a:t>
-            </a:r>
-            <a:r>
-              <a:rPr lang="en-IN" sz="2800" dirty="0" smtClean="0">
-                <a:latin typeface="Times New Roman" pitchFamily="18" charset="0"/>
-                <a:cs typeface="Times New Roman" pitchFamily="18" charset="0"/>
-              </a:rPr>
-              <a:t> </a:t>
-            </a:r>
-            <a:r>
-              <a:rPr lang="en-IN" sz="2800" dirty="0">
-                <a:latin typeface="Times New Roman" pitchFamily="18" charset="0"/>
-                <a:cs typeface="Times New Roman" pitchFamily="18" charset="0"/>
-              </a:rPr>
-              <a:t>(</a:t>
-            </a:r>
-            <a:r>
-              <a:rPr lang="en-IN" sz="2800" dirty="0" smtClean="0">
-                <a:latin typeface="Times New Roman" pitchFamily="18" charset="0"/>
-                <a:cs typeface="Times New Roman" pitchFamily="18" charset="0"/>
-              </a:rPr>
-              <a:t>me </a:t>
-            </a:r>
-            <a:r>
-              <a:rPr lang="en-IN" sz="2800" dirty="0" err="1" smtClean="0">
+              <a:t>-se   (me </a:t>
+            </a:r>
+            <a:r>
+              <a:rPr lang="en-IN" sz="2800" dirty="0" err="1">
                 <a:latin typeface="Times New Roman" pitchFamily="18" charset="0"/>
                 <a:cs typeface="Times New Roman" pitchFamily="18" charset="0"/>
               </a:rPr>
               <a:t>despierto</a:t>
             </a:r>
             <a:r>
-              <a:rPr lang="en-IN" sz="2800" dirty="0" smtClean="0">
-                <a:latin typeface="Times New Roman" pitchFamily="18" charset="0"/>
-                <a:cs typeface="Times New Roman" pitchFamily="18" charset="0"/>
-              </a:rPr>
-              <a:t>)</a:t>
-            </a:r>
-            <a:r>
-              <a:rPr lang="en-IN" sz="2800" dirty="0">
-                <a:latin typeface="Times New Roman" pitchFamily="18" charset="0"/>
-                <a:cs typeface="Times New Roman" pitchFamily="18" charset="0"/>
-              </a:rPr>
-              <a:t>		to wake up</a:t>
+              <a:rPr lang="en-IN" sz="2800" dirty="0">
+                <a:latin typeface="Times New Roman" pitchFamily="18" charset="0"/>
+                <a:cs typeface="Times New Roman" pitchFamily="18" charset="0"/>
+              </a:rPr>
+              <a:t>)		to wake up</a:t>
             </a:r>
           </a:p>
           <a:p>
@@ -6486,13 +7060,6 @@
   <p:clrMapOvr>
     <a:masterClrMapping/>
   </p:clrMapOvr>
-  <p:timing>
-    <p:tnLst>
-      <p:par>
-        <p:cTn id="1" dur="indefinite" restart="never" nodeType="tmRoot"/>
-      </p:par>
-    </p:tnLst>
-  </p:timing>
 </p:sld>
 </file>
 
@@ -6905,13 +7472,6 @@
   <p:clrMapOvr>
     <a:masterClrMapping/>
   </p:clrMapOvr>
-  <p:timing>
-    <p:tnLst>
-      <p:par>
-        <p:cTn id="1" dur="indefinite" restart="never" nodeType="tmRoot"/>
-      </p:par>
-    </p:tnLst>
-  </p:timing>
 </p:sld>
 </file>
 

--- a/ESP1001 Espanol Fundamental/reference_materials/27_2_Stem Changing verbs and Exercises.pptx
+++ b/ESP1001 Espanol Fundamental/reference_materials/27_2_Stem Changing verbs and Exercises.pptx
@@ -329,6 +329,34 @@
 </pc:chgInfo>
 </file>
 
+<file path=ppt/ink/ink1.xml><?xml version="1.0" encoding="utf-8"?>
+<inkml:ink xmlns:inkml="http://www.w3.org/2003/InkML">
+  <inkml:definitions>
+    <inkml:context xml:id="ctx0">
+      <inkml:inkSource xml:id="inkSrc0">
+        <inkml:traceFormat>
+          <inkml:channel name="X" type="integer" min="-2.14748E9" max="2.14748E9" units="cm"/>
+          <inkml:channel name="Y" type="integer" min="-2.14748E9" max="2.14748E9" units="cm"/>
+          <inkml:channel name="F" type="integer" max="32767" units="dev"/>
+        </inkml:traceFormat>
+        <inkml:channelProperties>
+          <inkml:channelProperty channel="X" name="resolution" value="1000" units="1/cm"/>
+          <inkml:channelProperty channel="Y" name="resolution" value="1000" units="1/cm"/>
+          <inkml:channelProperty channel="F" name="resolution" value="0" units="1/dev"/>
+        </inkml:channelProperties>
+      </inkml:inkSource>
+      <inkml:timestamp xml:id="ts0" timeString="2022-05-03T17:28:41.863"/>
+    </inkml:context>
+    <inkml:brush xml:id="br0">
+      <inkml:brushProperty name="width" value="0.1" units="cm"/>
+      <inkml:brushProperty name="height" value="0.1" units="cm"/>
+      <inkml:brushProperty name="color" value="#E71224"/>
+    </inkml:brush>
+  </inkml:definitions>
+  <inkml:trace contextRef="#ctx0" brushRef="#br0">1 906 24575,'24'25'0,"14"17"0,23 22 0,-18-19 0,7 8 0,-3-3 0,8 11 0,1 3-662,4 2 1,6 5 0,-2-1 661,-11-10 0,-1-1 0,2 3-1827,-2-5 1,2 3 0,1 0-1,1 2 1827,6 7 0,2 1 0,1 1 0,-1-1 0,0-1 0,0 1 0,0-2 0,-1 0-105,-2-4 1,-1 0-1,0-2 1,-3-2 104,6 5 0,-4-4 0,0-2-528,-7-7 1,-1-3 0,-2-1 527,19 17 0,-3-1-117,-7-7 1,-2-2 116,-1-3 0,-3-2 0,-8-8 0,-2-2 0,-4-4 0,0-2 4158,32 28-4158,-12-14 0,-5-9 2733,-5-7-2733,-4-9 2728,1-3-2728,-1-4 1478,7-3-1478,6 0 0,-6-1 0,-1 1 0,0-1 0,20 6 0,-3-1 0,-33-8 0,19 5 0,5 1 426,13 1-426,25 3 0,-16-5 0,2-1 0,-21-6 0,0-1-737,21 3 1,-2-3 736,19-2 0,-45-4 0,1 0 0,4 0 0,1 0 0,1 0 0,3-3-381,20-11 0,-1-3 381,-22 2 0,-3-2 0,9-10 0,-3-2 0,-19 4 0,-2-2 0,0-1 0,0-2 0,-4-1 0,-1-2 0,-1-4 0,-1-1 0,26-39 0,-24 17 0,-2-2 0,-11 15 0,0-1-427,9-21 1,-3 0 426,-13 16 0,-2 1 0,1-7 0,-1 0 0,-1-2 0,-2 0 0,-1-1 0,-2 1 0,0-3 0,-2 1 0,-2 0 0,-2 0 0,-1 5 0,-1 1 0,-1-4 0,-2 0 0,-2 2 0,-3 0 0,-4-1 0,-5 0 0,-5-1 0,-6 3 0,-7 2 0,-6 2 0,-6-5 0,-5-3-51,4 8 0,-4-4 1,2 4 50,-4-5 0,-4-2-726,6 9 0,-7-6 1,-1 0-1,8 8 726,-2-2 0,0 2 0,-11-9 0,-8-7 0,3 2 0,13 14 0,2 1 0,2 3 0,-13-12 0,-3 0 0,11 11 0,-8-3 0,1 1 0,7 7 0,-1 3 0,-1 3-624,-15-11 1,-8-5 0,8 9 623,18 15 0,1 4 0,-27-11 0,-1 3 0,24 13 0,-1 3 207,-14-4 0,-6 3-207,9 7 0,-5 4 0,3 0 0,-14-1 0,0 2 12,11 2 0,-4 2 0,5 0-12,-7 0 0,4 2 0,-2-1 0,0 2 0,1 2 0,0 3 0,0 4 0,-1 3 0,1 3 0,-1 3 0,2 2 0,1 1 0,8-1 0,2-1 0,8-2 0,2 0 1424,4-2 1,1 0-1425,-43 14 0,5-1 0,11 0 2365,14-3-2365,16-4 277,10-4-277,8-3 1547,5 3-1547,-2 7 525,0 7-525,-1 6 0,-3 16 0,13-20 0,-7 14 0,13-26 0,-2 5 0,1-3 0,-1 2 0,0-3 0,0-2 0,4-3 0,2-5 0,3-1 0,0 0 0,-1-1 0,1-2 0,0 1 0,-1 3 0,-2 3 0,-1 2 0,-1 0 0,0 0 0,0 4 0,-1 3 0,-1 2 0,0-2 0,3-3 0,1-3 0,2-4 0,1-2 0,0-5 0,2-4 0,1-2 0</inkml:trace>
+</inkml:ink>
+</file>
+
 <file path=ppt/slideLayouts/slideLayout1.xml><?xml version="1.0" encoding="utf-8"?>
 <p:sldLayout xmlns:a="http://schemas.openxmlformats.org/drawingml/2006/main" xmlns:r="http://schemas.openxmlformats.org/officeDocument/2006/relationships" xmlns:p="http://schemas.openxmlformats.org/presentationml/2006/main" type="title" preserve="1">
   <p:cSld name="Title Slide">
@@ -3968,12 +3996,48 @@
             <a:r>
               <a:rPr lang="en-IN" sz="2800" b="1" dirty="0">
                 <a:highlight>
-                  <a:srgbClr val="FFFF00"/>
+                  <a:srgbClr val="00FF00"/>
                 </a:highlight>
                 <a:latin typeface="Times New Roman"/>
               </a:rPr>
-              <a:t>Spanish 		English</a:t>
-            </a:r>
+              <a:t>Spanish 		English. (e </a:t>
+            </a:r>
+            <a:r>
+              <a:rPr lang="en-IN" sz="2800" b="1" dirty="0">
+                <a:highlight>
+                  <a:srgbClr val="00FF00"/>
+                </a:highlight>
+                <a:latin typeface="Times New Roman"/>
+                <a:sym typeface="Wingdings" pitchFamily="2" charset="2"/>
+              </a:rPr>
+              <a:t> </a:t>
+            </a:r>
+            <a:r>
+              <a:rPr lang="en-IN" sz="2800" b="1" dirty="0" err="1">
+                <a:highlight>
+                  <a:srgbClr val="00FF00"/>
+                </a:highlight>
+                <a:latin typeface="Times New Roman"/>
+                <a:sym typeface="Wingdings" pitchFamily="2" charset="2"/>
+              </a:rPr>
+              <a:t>i</a:t>
+            </a:r>
+            <a:r>
+              <a:rPr lang="en-IN" sz="2800" b="1" dirty="0">
+                <a:highlight>
+                  <a:srgbClr val="00FF00"/>
+                </a:highlight>
+                <a:latin typeface="Times New Roman"/>
+                <a:sym typeface="Wingdings" pitchFamily="2" charset="2"/>
+              </a:rPr>
+              <a:t>) </a:t>
+            </a:r>
+            <a:endParaRPr lang="en-IN" sz="2800" b="1" dirty="0">
+              <a:highlight>
+                <a:srgbClr val="00FF00"/>
+              </a:highlight>
+              <a:latin typeface="Times New Roman"/>
+            </a:endParaRPr>
           </a:p>
           <a:p>
             <a:pPr marL="0" indent="0">
@@ -4431,13 +4495,42 @@
             </a:pPr>
             <a:r>
               <a:rPr lang="en-IN" sz="2800" dirty="0" err="1">
-                <a:latin typeface="Times New Roman" pitchFamily="18" charset="0"/>
-                <a:cs typeface="Times New Roman" pitchFamily="18" charset="0"/>
-              </a:rPr>
-              <a:t>Dormir</a:t>
-            </a:r>
-            <a:r>
-              <a:rPr lang="en-IN" sz="2800" dirty="0">
+                <a:highlight>
+                  <a:srgbClr val="FFFF00"/>
+                </a:highlight>
+                <a:latin typeface="Times New Roman" pitchFamily="18" charset="0"/>
+                <a:cs typeface="Times New Roman" pitchFamily="18" charset="0"/>
+              </a:rPr>
+              <a:t>D</a:t>
+            </a:r>
+            <a:r>
+              <a:rPr lang="en-IN" sz="2800" dirty="0" err="1">
+                <a:solidFill>
+                  <a:srgbClr val="FF0000"/>
+                </a:solidFill>
+                <a:highlight>
+                  <a:srgbClr val="FFFF00"/>
+                </a:highlight>
+                <a:latin typeface="Times New Roman" pitchFamily="18" charset="0"/>
+                <a:cs typeface="Times New Roman" pitchFamily="18" charset="0"/>
+              </a:rPr>
+              <a:t>o</a:t>
+            </a:r>
+            <a:r>
+              <a:rPr lang="en-IN" sz="2800" dirty="0" err="1">
+                <a:highlight>
+                  <a:srgbClr val="FFFF00"/>
+                </a:highlight>
+                <a:latin typeface="Times New Roman" pitchFamily="18" charset="0"/>
+                <a:cs typeface="Times New Roman" pitchFamily="18" charset="0"/>
+              </a:rPr>
+              <a:t>rmir</a:t>
+            </a:r>
+            <a:r>
+              <a:rPr lang="en-IN" sz="2800" dirty="0">
+                <a:highlight>
+                  <a:srgbClr val="FFFF00"/>
+                </a:highlight>
                 <a:latin typeface="Times New Roman" pitchFamily="18" charset="0"/>
                 <a:cs typeface="Times New Roman" pitchFamily="18" charset="0"/>
               </a:rPr>
@@ -4519,6 +4612,57 @@
           </a:extLst>
         </p:spPr>
       </p:pic>
+      <mc:AlternateContent xmlns:mc="http://schemas.openxmlformats.org/markup-compatibility/2006">
+        <mc:Choice xmlns:p14="http://schemas.microsoft.com/office/powerpoint/2010/main" Requires="p14">
+          <p:contentPart p14:bwMode="auto" r:id="rId3">
+            <p14:nvContentPartPr>
+              <p14:cNvPr id="2" name="Ink 1">
+                <a:extLst>
+                  <a:ext uri="{FF2B5EF4-FFF2-40B4-BE49-F238E27FC236}">
+                    <a16:creationId xmlns:a16="http://schemas.microsoft.com/office/drawing/2014/main" id="{8B65567C-1E76-9C4F-E744-BABBCEAE3158}"/>
+                  </a:ext>
+                </a:extLst>
+              </p14:cNvPr>
+              <p14:cNvContentPartPr/>
+              <p14:nvPr/>
+            </p14:nvContentPartPr>
+            <p14:xfrm>
+              <a:off x="4283838" y="3024188"/>
+              <a:ext cx="2033640" cy="1455120"/>
+            </p14:xfrm>
+          </p:contentPart>
+        </mc:Choice>
+        <mc:Fallback>
+          <p:pic>
+            <p:nvPicPr>
+              <p:cNvPr id="2" name="Ink 1">
+                <a:extLst>
+                  <a:ext uri="{FF2B5EF4-FFF2-40B4-BE49-F238E27FC236}">
+                    <a16:creationId xmlns:a16="http://schemas.microsoft.com/office/drawing/2014/main" id="{8B65567C-1E76-9C4F-E744-BABBCEAE3158}"/>
+                  </a:ext>
+                </a:extLst>
+              </p:cNvPr>
+              <p:cNvPicPr/>
+              <p:nvPr/>
+            </p:nvPicPr>
+            <p:blipFill>
+              <a:blip r:embed="rId4"/>
+              <a:stretch>
+                <a:fillRect/>
+              </a:stretch>
+            </p:blipFill>
+            <p:spPr>
+              <a:xfrm>
+                <a:off x="4266198" y="3006188"/>
+                <a:ext cx="2069280" cy="1490760"/>
+              </a:xfrm>
+              <a:prstGeom prst="rect">
+                <a:avLst/>
+              </a:prstGeom>
+            </p:spPr>
+          </p:pic>
+        </mc:Fallback>
+      </mc:AlternateContent>
     </p:spTree>
     <p:extLst>
       <p:ext uri="{BB962C8B-B14F-4D97-AF65-F5344CB8AC3E}">

--- a/ESP1001 Espanol Fundamental/reference_materials/27_2_Stem Changing verbs and Exercises.pptx
+++ b/ESP1001 Espanol Fundamental/reference_materials/27_2_Stem Changing verbs and Exercises.pptx
@@ -537,7 +537,7 @@
             <a:fld id="{1D8BD707-D9CF-40AE-B4C6-C98DA3205C09}" type="datetimeFigureOut">
               <a:rPr lang="en-US" smtClean="0"/>
               <a:pPr/>
-              <a:t>5/3/22</a:t>
+              <a:t>5/4/22</a:t>
             </a:fld>
             <a:endParaRPr lang="en-US"/>
           </a:p>
@@ -702,7 +702,7 @@
             <a:fld id="{1D8BD707-D9CF-40AE-B4C6-C98DA3205C09}" type="datetimeFigureOut">
               <a:rPr lang="en-US" smtClean="0"/>
               <a:pPr/>
-              <a:t>5/3/22</a:t>
+              <a:t>5/4/22</a:t>
             </a:fld>
             <a:endParaRPr lang="en-US"/>
           </a:p>
@@ -877,7 +877,7 @@
             <a:fld id="{1D8BD707-D9CF-40AE-B4C6-C98DA3205C09}" type="datetimeFigureOut">
               <a:rPr lang="en-US" smtClean="0"/>
               <a:pPr/>
-              <a:t>5/3/22</a:t>
+              <a:t>5/4/22</a:t>
             </a:fld>
             <a:endParaRPr lang="en-US"/>
           </a:p>
@@ -1042,7 +1042,7 @@
             <a:fld id="{1D8BD707-D9CF-40AE-B4C6-C98DA3205C09}" type="datetimeFigureOut">
               <a:rPr lang="en-US" smtClean="0"/>
               <a:pPr/>
-              <a:t>5/3/22</a:t>
+              <a:t>5/4/22</a:t>
             </a:fld>
             <a:endParaRPr lang="en-US"/>
           </a:p>
@@ -1284,7 +1284,7 @@
             <a:fld id="{1D8BD707-D9CF-40AE-B4C6-C98DA3205C09}" type="datetimeFigureOut">
               <a:rPr lang="en-US" smtClean="0"/>
               <a:pPr/>
-              <a:t>5/3/22</a:t>
+              <a:t>5/4/22</a:t>
             </a:fld>
             <a:endParaRPr lang="en-US"/>
           </a:p>
@@ -1566,7 +1566,7 @@
             <a:fld id="{1D8BD707-D9CF-40AE-B4C6-C98DA3205C09}" type="datetimeFigureOut">
               <a:rPr lang="en-US" smtClean="0"/>
               <a:pPr/>
-              <a:t>5/3/22</a:t>
+              <a:t>5/4/22</a:t>
             </a:fld>
             <a:endParaRPr lang="en-US"/>
           </a:p>
@@ -1982,7 +1982,7 @@
             <a:fld id="{1D8BD707-D9CF-40AE-B4C6-C98DA3205C09}" type="datetimeFigureOut">
               <a:rPr lang="en-US" smtClean="0"/>
               <a:pPr/>
-              <a:t>5/3/22</a:t>
+              <a:t>5/4/22</a:t>
             </a:fld>
             <a:endParaRPr lang="en-US"/>
           </a:p>
@@ -2096,7 +2096,7 @@
             <a:fld id="{1D8BD707-D9CF-40AE-B4C6-C98DA3205C09}" type="datetimeFigureOut">
               <a:rPr lang="en-US" smtClean="0"/>
               <a:pPr/>
-              <a:t>5/3/22</a:t>
+              <a:t>5/4/22</a:t>
             </a:fld>
             <a:endParaRPr lang="en-US"/>
           </a:p>
@@ -2188,7 +2188,7 @@
             <a:fld id="{1D8BD707-D9CF-40AE-B4C6-C98DA3205C09}" type="datetimeFigureOut">
               <a:rPr lang="en-US" smtClean="0"/>
               <a:pPr/>
-              <a:t>5/3/22</a:t>
+              <a:t>5/4/22</a:t>
             </a:fld>
             <a:endParaRPr lang="en-US"/>
           </a:p>
@@ -2460,7 +2460,7 @@
             <a:fld id="{1D8BD707-D9CF-40AE-B4C6-C98DA3205C09}" type="datetimeFigureOut">
               <a:rPr lang="en-US" smtClean="0"/>
               <a:pPr/>
-              <a:t>5/3/22</a:t>
+              <a:t>5/4/22</a:t>
             </a:fld>
             <a:endParaRPr lang="en-US"/>
           </a:p>
@@ -2709,7 +2709,7 @@
             <a:fld id="{1D8BD707-D9CF-40AE-B4C6-C98DA3205C09}" type="datetimeFigureOut">
               <a:rPr lang="en-US" smtClean="0"/>
               <a:pPr/>
-              <a:t>5/3/22</a:t>
+              <a:t>5/4/22</a:t>
             </a:fld>
             <a:endParaRPr lang="en-US"/>
           </a:p>
@@ -2917,7 +2917,7 @@
             <a:fld id="{1D8BD707-D9CF-40AE-B4C6-C98DA3205C09}" type="datetimeFigureOut">
               <a:rPr lang="en-US" smtClean="0"/>
               <a:pPr/>
-              <a:t>5/3/22</a:t>
+              <a:t>5/4/22</a:t>
             </a:fld>
             <a:endParaRPr lang="en-US"/>
           </a:p>
@@ -4612,8 +4612,8 @@
           </a:extLst>
         </p:spPr>
       </p:pic>
-      <mc:AlternateContent xmlns:mc="http://schemas.openxmlformats.org/markup-compatibility/2006">
-        <mc:Choice xmlns:p14="http://schemas.microsoft.com/office/powerpoint/2010/main" Requires="p14">
+      <mc:AlternateContent xmlns:mc="http://schemas.openxmlformats.org/markup-compatibility/2006" xmlns:p14="http://schemas.microsoft.com/office/powerpoint/2010/main">
+        <mc:Choice Requires="p14">
           <p:contentPart p14:bwMode="auto" r:id="rId3">
             <p14:nvContentPartPr>
               <p14:cNvPr id="2" name="Ink 1">
@@ -4632,7 +4632,7 @@
             </p14:xfrm>
           </p:contentPart>
         </mc:Choice>
-        <mc:Fallback>
+        <mc:Fallback xmlns="">
           <p:pic>
             <p:nvPicPr>
               <p:cNvPr id="2" name="Ink 1">
@@ -5298,6 +5298,9 @@
             </a:r>
             <a:r>
               <a:rPr lang="en-IN" sz="2000" dirty="0" err="1">
+                <a:highlight>
+                  <a:srgbClr val="808000"/>
+                </a:highlight>
                 <a:latin typeface="Times New Roman" pitchFamily="18" charset="0"/>
                 <a:cs typeface="Times New Roman" pitchFamily="18" charset="0"/>
               </a:rPr>
@@ -5305,6 +5308,9 @@
             </a:r>
             <a:r>
               <a:rPr lang="en-IN" sz="2000" dirty="0">
+                <a:highlight>
+                  <a:srgbClr val="808000"/>
+                </a:highlight>
                 <a:latin typeface="Times New Roman" pitchFamily="18" charset="0"/>
                 <a:cs typeface="Times New Roman" pitchFamily="18" charset="0"/>
               </a:rPr>
@@ -5312,6 +5318,9 @@
             </a:r>
             <a:r>
               <a:rPr lang="en-IN" sz="2000" dirty="0" err="1">
+                <a:highlight>
+                  <a:srgbClr val="808000"/>
+                </a:highlight>
                 <a:latin typeface="Times New Roman" pitchFamily="18" charset="0"/>
                 <a:cs typeface="Times New Roman" pitchFamily="18" charset="0"/>
               </a:rPr>
@@ -5319,6 +5328,9 @@
             </a:r>
             <a:r>
               <a:rPr lang="en-IN" sz="2000" dirty="0">
+                <a:highlight>
+                  <a:srgbClr val="808000"/>
+                </a:highlight>
                 <a:latin typeface="Times New Roman" pitchFamily="18" charset="0"/>
                 <a:cs typeface="Times New Roman" pitchFamily="18" charset="0"/>
               </a:rPr>
@@ -5338,6 +5350,9 @@
             </a:r>
             <a:r>
               <a:rPr lang="en-IN" sz="2000" dirty="0" err="1">
+                <a:highlight>
+                  <a:srgbClr val="00FFFF"/>
+                </a:highlight>
                 <a:latin typeface="Times New Roman" pitchFamily="18" charset="0"/>
                 <a:cs typeface="Times New Roman" pitchFamily="18" charset="0"/>
               </a:rPr>
@@ -5345,6 +5360,9 @@
             </a:r>
             <a:r>
               <a:rPr lang="en-IN" sz="2000" dirty="0">
+                <a:highlight>
+                  <a:srgbClr val="00FFFF"/>
+                </a:highlight>
                 <a:latin typeface="Times New Roman" pitchFamily="18" charset="0"/>
                 <a:cs typeface="Times New Roman" pitchFamily="18" charset="0"/>
               </a:rPr>
@@ -5395,32 +5413,25 @@
               <a:buNone/>
             </a:pPr>
             <a:r>
-              <a:rPr lang="en-IN" sz="2000" i="1" dirty="0">
+              <a:rPr lang="en-IN" sz="2000" dirty="0">
                 <a:latin typeface="Times New Roman" pitchFamily="18" charset="0"/>
                 <a:cs typeface="Times New Roman" pitchFamily="18" charset="0"/>
               </a:rPr>
               <a:t>	</a:t>
             </a:r>
             <a:r>
-              <a:rPr lang="en-IN" sz="2000" i="1" dirty="0" err="1">
+              <a:rPr lang="en-IN" sz="2000" dirty="0" err="1">
                 <a:latin typeface="Times New Roman" pitchFamily="18" charset="0"/>
                 <a:cs typeface="Times New Roman" pitchFamily="18" charset="0"/>
               </a:rPr>
               <a:t>Contar</a:t>
             </a:r>
             <a:r>
-              <a:rPr lang="en-IN" sz="2000" i="1" dirty="0">
-                <a:latin typeface="Times New Roman" pitchFamily="18" charset="0"/>
-                <a:cs typeface="Times New Roman" pitchFamily="18" charset="0"/>
-              </a:rPr>
-              <a:t> 				</a:t>
-            </a:r>
-            <a:r>
               <a:rPr lang="en-IN" sz="2000" dirty="0">
                 <a:latin typeface="Times New Roman" pitchFamily="18" charset="0"/>
                 <a:cs typeface="Times New Roman" pitchFamily="18" charset="0"/>
               </a:rPr>
-              <a:t>to tell</a:t>
+              <a:t> 				to tell</a:t>
             </a:r>
             <a:br>
               <a:rPr lang="en-IN" sz="2000" dirty="0">
@@ -5494,7 +5505,7 @@
               <a:buNone/>
             </a:pPr>
             <a:r>
-              <a:rPr lang="en-IN" sz="2000" i="1" dirty="0">
+              <a:rPr lang="en-IN" sz="2000" dirty="0">
                 <a:solidFill>
                   <a:srgbClr val="FF0000"/>
                 </a:solidFill>
@@ -5504,7 +5515,7 @@
               <a:t>	</a:t>
             </a:r>
             <a:r>
-              <a:rPr lang="en-IN" sz="2000" i="1" dirty="0" err="1">
+              <a:rPr lang="en-IN" sz="2000" dirty="0" err="1">
                 <a:solidFill>
                   <a:srgbClr val="FF0000"/>
                 </a:solidFill>
@@ -5514,7 +5525,7 @@
               <a:t>Encont</a:t>
             </a:r>
             <a:r>
-              <a:rPr lang="en-IN" sz="2000" i="1" dirty="0" err="1">
+              <a:rPr lang="en-IN" sz="2000" dirty="0" err="1">
                 <a:solidFill>
                   <a:srgbClr val="FF0000"/>
                 </a:solidFill>
@@ -5527,16 +5538,6 @@
               <a:t>rar</a:t>
             </a:r>
             <a:r>
-              <a:rPr lang="en-IN" sz="2000" i="1" dirty="0">
-                <a:solidFill>
-                  <a:srgbClr val="FF0000"/>
-                </a:solidFill>
-                <a:latin typeface="Times New Roman" pitchFamily="18" charset="0"/>
-                <a:cs typeface="Times New Roman" pitchFamily="18" charset="0"/>
-              </a:rPr>
-              <a:t> 			</a:t>
-            </a:r>
-            <a:r>
               <a:rPr lang="en-IN" sz="2000" dirty="0">
                 <a:solidFill>
                   <a:srgbClr val="FF0000"/>
@@ -5544,7 +5545,7 @@
                 <a:latin typeface="Times New Roman" pitchFamily="18" charset="0"/>
                 <a:cs typeface="Times New Roman" pitchFamily="18" charset="0"/>
               </a:rPr>
-              <a:t>to mee</a:t>
+              <a:t> 			to mee</a:t>
             </a:r>
             <a:r>
               <a:rPr lang="en-IN" sz="2000" dirty="0">
@@ -5559,32 +5560,25 @@
               <a:buNone/>
             </a:pPr>
             <a:r>
-              <a:rPr lang="en-IN" sz="2000" i="1" dirty="0">
+              <a:rPr lang="en-IN" sz="2000" dirty="0">
                 <a:latin typeface="Times New Roman" pitchFamily="18" charset="0"/>
                 <a:cs typeface="Times New Roman" pitchFamily="18" charset="0"/>
               </a:rPr>
               <a:t>	</a:t>
             </a:r>
             <a:r>
-              <a:rPr lang="en-IN" sz="2000" i="1" dirty="0" err="1">
+              <a:rPr lang="en-IN" sz="2000" dirty="0" err="1">
                 <a:latin typeface="Times New Roman" pitchFamily="18" charset="0"/>
                 <a:cs typeface="Times New Roman" pitchFamily="18" charset="0"/>
               </a:rPr>
               <a:t>Almorzar</a:t>
             </a:r>
             <a:r>
-              <a:rPr lang="en-IN" sz="2000" i="1" dirty="0">
-                <a:latin typeface="Times New Roman" pitchFamily="18" charset="0"/>
-                <a:cs typeface="Times New Roman" pitchFamily="18" charset="0"/>
-              </a:rPr>
-              <a:t> 			</a:t>
-            </a:r>
-            <a:r>
               <a:rPr lang="en-IN" sz="2000" dirty="0">
                 <a:latin typeface="Times New Roman" pitchFamily="18" charset="0"/>
                 <a:cs typeface="Times New Roman" pitchFamily="18" charset="0"/>
               </a:rPr>
-              <a:t>to eat lunch</a:t>
+              <a:t> 			to eat lunch</a:t>
             </a:r>
           </a:p>
           <a:p>
@@ -5644,21 +5638,21 @@
               <a:buNone/>
             </a:pPr>
             <a:r>
-              <a:rPr lang="en-IN" sz="2000" i="1" dirty="0">
+              <a:rPr lang="en-IN" sz="2000" dirty="0">
                 <a:latin typeface="Times New Roman" pitchFamily="18" charset="0"/>
                 <a:cs typeface="Times New Roman" pitchFamily="18" charset="0"/>
               </a:rPr>
               <a:t>	</a:t>
             </a:r>
             <a:r>
-              <a:rPr lang="en-IN" sz="2000" i="1" dirty="0" err="1">
+              <a:rPr lang="en-IN" sz="2000" dirty="0" err="1">
                 <a:latin typeface="Times New Roman" pitchFamily="18" charset="0"/>
                 <a:cs typeface="Times New Roman" pitchFamily="18" charset="0"/>
               </a:rPr>
               <a:t>Most</a:t>
             </a:r>
             <a:r>
-              <a:rPr lang="en-IN" sz="2000" b="1" i="1" dirty="0" err="1">
+              <a:rPr lang="en-IN" sz="2000" b="1" dirty="0" err="1">
                 <a:solidFill>
                   <a:srgbClr val="FF0000"/>
                 </a:solidFill>
@@ -5671,51 +5665,37 @@
               <a:t>rar</a:t>
             </a:r>
             <a:r>
-              <a:rPr lang="en-IN" sz="2000" i="1" dirty="0">
-                <a:latin typeface="Times New Roman" pitchFamily="18" charset="0"/>
-                <a:cs typeface="Times New Roman" pitchFamily="18" charset="0"/>
-              </a:rPr>
-              <a:t> 				</a:t>
-            </a:r>
-            <a:r>
               <a:rPr lang="en-IN" sz="2000" dirty="0">
                 <a:latin typeface="Times New Roman" pitchFamily="18" charset="0"/>
                 <a:cs typeface="Times New Roman" pitchFamily="18" charset="0"/>
               </a:rPr>
-              <a:t>to show</a:t>
-            </a:r>
-          </a:p>
-          <a:p>
-            <a:pPr marL="0" indent="0">
-              <a:buNone/>
-            </a:pPr>
-            <a:r>
-              <a:rPr lang="en-IN" sz="2000" i="1" dirty="0">
+              <a:t> 			to show</a:t>
+            </a:r>
+          </a:p>
+          <a:p>
+            <a:pPr marL="0" indent="0">
+              <a:buNone/>
+            </a:pPr>
+            <a:r>
+              <a:rPr lang="en-IN" sz="2000" dirty="0">
                 <a:latin typeface="Times New Roman" pitchFamily="18" charset="0"/>
                 <a:cs typeface="Times New Roman" pitchFamily="18" charset="0"/>
               </a:rPr>
               <a:t>	</a:t>
             </a:r>
             <a:r>
-              <a:rPr lang="en-IN" sz="2000" i="1" dirty="0" err="1">
+              <a:rPr lang="en-IN" sz="2000" dirty="0" err="1">
                 <a:latin typeface="Times New Roman" pitchFamily="18" charset="0"/>
                 <a:cs typeface="Times New Roman" pitchFamily="18" charset="0"/>
               </a:rPr>
               <a:t>Forzar</a:t>
             </a:r>
             <a:r>
-              <a:rPr lang="en-IN" sz="2000" i="1" dirty="0">
-                <a:latin typeface="Times New Roman" pitchFamily="18" charset="0"/>
-                <a:cs typeface="Times New Roman" pitchFamily="18" charset="0"/>
-              </a:rPr>
-              <a:t> 				</a:t>
-            </a:r>
-            <a:r>
               <a:rPr lang="en-IN" sz="2000" dirty="0">
                 <a:latin typeface="Times New Roman" pitchFamily="18" charset="0"/>
                 <a:cs typeface="Times New Roman" pitchFamily="18" charset="0"/>
               </a:rPr>
-              <a:t>to force</a:t>
+              <a:t> 				to force</a:t>
             </a:r>
           </a:p>
           <a:p>
@@ -5756,25 +5736,18 @@
               <a:t>	</a:t>
             </a:r>
             <a:r>
-              <a:rPr lang="en-IN" sz="2000" i="1" dirty="0" err="1">
+              <a:rPr lang="en-IN" sz="2000" dirty="0" err="1">
                 <a:latin typeface="Times New Roman" pitchFamily="18" charset="0"/>
                 <a:cs typeface="Times New Roman" pitchFamily="18" charset="0"/>
               </a:rPr>
               <a:t>Costar</a:t>
             </a:r>
             <a:r>
-              <a:rPr lang="en-IN" sz="2000" i="1" dirty="0">
-                <a:latin typeface="Times New Roman" pitchFamily="18" charset="0"/>
-                <a:cs typeface="Times New Roman" pitchFamily="18" charset="0"/>
-              </a:rPr>
-              <a:t> 				</a:t>
-            </a:r>
-            <a:r>
               <a:rPr lang="en-IN" sz="2000" dirty="0">
                 <a:latin typeface="Times New Roman" pitchFamily="18" charset="0"/>
                 <a:cs typeface="Times New Roman" pitchFamily="18" charset="0"/>
               </a:rPr>
-              <a:t>to cost</a:t>
+              <a:t> 				to cost</a:t>
             </a:r>
           </a:p>
           <a:p>
@@ -5816,6 +5789,9 @@
             </a:r>
             <a:r>
               <a:rPr lang="en-IN" sz="2000" dirty="0" err="1">
+                <a:highlight>
+                  <a:srgbClr val="00FFFF"/>
+                </a:highlight>
                 <a:latin typeface="Times New Roman" pitchFamily="18" charset="0"/>
                 <a:cs typeface="Times New Roman" pitchFamily="18" charset="0"/>
               </a:rPr>
@@ -5823,6 +5799,9 @@
             </a:r>
             <a:r>
               <a:rPr lang="en-IN" sz="2000" dirty="0">
+                <a:highlight>
+                  <a:srgbClr val="00FFFF"/>
+                </a:highlight>
                 <a:latin typeface="Times New Roman" pitchFamily="18" charset="0"/>
                 <a:cs typeface="Times New Roman" pitchFamily="18" charset="0"/>
               </a:rPr>
@@ -5834,46 +5813,51 @@
               <a:buNone/>
             </a:pPr>
             <a:r>
-              <a:rPr lang="en-IN" sz="2000" i="1" dirty="0">
+              <a:rPr lang="en-IN" sz="2000" dirty="0">
                 <a:latin typeface="Times New Roman" pitchFamily="18" charset="0"/>
                 <a:cs typeface="Times New Roman" pitchFamily="18" charset="0"/>
               </a:rPr>
               <a:t>	</a:t>
             </a:r>
             <a:r>
-              <a:rPr lang="en-IN" sz="2000" i="1" dirty="0" err="1">
+              <a:rPr lang="en-IN" sz="2000" dirty="0" err="1">
+                <a:highlight>
+                  <a:srgbClr val="808000"/>
+                </a:highlight>
                 <a:latin typeface="Times New Roman" pitchFamily="18" charset="0"/>
                 <a:cs typeface="Times New Roman" pitchFamily="18" charset="0"/>
               </a:rPr>
               <a:t>Acostar</a:t>
             </a:r>
             <a:r>
-              <a:rPr lang="en-IN" sz="2000" i="1" dirty="0">
+              <a:rPr lang="en-IN" sz="2000" dirty="0">
+                <a:highlight>
+                  <a:srgbClr val="808000"/>
+                </a:highlight>
                 <a:latin typeface="Times New Roman" pitchFamily="18" charset="0"/>
                 <a:cs typeface="Times New Roman" pitchFamily="18" charset="0"/>
               </a:rPr>
               <a:t>-se – me </a:t>
             </a:r>
             <a:r>
-              <a:rPr lang="en-IN" sz="2000" i="1" dirty="0" err="1">
+              <a:rPr lang="en-IN" sz="2000" dirty="0" err="1">
+                <a:highlight>
+                  <a:srgbClr val="808000"/>
+                </a:highlight>
                 <a:latin typeface="Times New Roman" pitchFamily="18" charset="0"/>
                 <a:cs typeface="Times New Roman" pitchFamily="18" charset="0"/>
               </a:rPr>
               <a:t>acuesto</a:t>
             </a:r>
             <a:r>
-              <a:rPr lang="en-IN" sz="2000" i="1" dirty="0">
-                <a:latin typeface="Times New Roman" pitchFamily="18" charset="0"/>
-                <a:cs typeface="Times New Roman" pitchFamily="18" charset="0"/>
-              </a:rPr>
-              <a:t>		</a:t>
-            </a:r>
-            <a:r>
               <a:rPr lang="en-IN" sz="2000" dirty="0">
-                <a:latin typeface="Times New Roman" pitchFamily="18" charset="0"/>
-                <a:cs typeface="Times New Roman" pitchFamily="18" charset="0"/>
-              </a:rPr>
-              <a:t>to put to bed</a:t>
+                <a:highlight>
+                  <a:srgbClr val="808000"/>
+                </a:highlight>
+                <a:latin typeface="Times New Roman" pitchFamily="18" charset="0"/>
+                <a:cs typeface="Times New Roman" pitchFamily="18" charset="0"/>
+              </a:rPr>
+              <a:t>		to put to bed</a:t>
             </a:r>
           </a:p>
         </p:txBody>
@@ -5926,7 +5910,7 @@
         </p:spPr>
         <p:txBody>
           <a:bodyPr>
-            <a:normAutofit/>
+            <a:normAutofit lnSpcReduction="10000"/>
           </a:bodyPr>
           <a:lstStyle/>
           <a:p>
@@ -6065,39 +6049,6 @@
               <a:buNone/>
             </a:pPr>
             <a:r>
-              <a:rPr lang="en-IN" sz="2800" i="1" dirty="0">
-                <a:latin typeface="Times New Roman" pitchFamily="18" charset="0"/>
-                <a:cs typeface="Times New Roman" pitchFamily="18" charset="0"/>
-              </a:rPr>
-              <a:t>		</a:t>
-            </a:r>
-            <a:r>
-              <a:rPr lang="en-IN" sz="2800" i="1" dirty="0" err="1">
-                <a:latin typeface="Times New Roman" pitchFamily="18" charset="0"/>
-                <a:cs typeface="Times New Roman" pitchFamily="18" charset="0"/>
-              </a:rPr>
-              <a:t>llover</a:t>
-            </a:r>
-            <a:r>
-              <a:rPr lang="en-IN" sz="2800" i="1" dirty="0">
-                <a:latin typeface="Times New Roman" pitchFamily="18" charset="0"/>
-                <a:cs typeface="Times New Roman" pitchFamily="18" charset="0"/>
-              </a:rPr>
-              <a:t> 			</a:t>
-            </a:r>
-            <a:r>
-              <a:rPr lang="en-IN" sz="2800" dirty="0">
-                <a:latin typeface="Times New Roman" pitchFamily="18" charset="0"/>
-                <a:cs typeface="Times New Roman" pitchFamily="18" charset="0"/>
-              </a:rPr>
-              <a:t>to rain</a:t>
-            </a:r>
-          </a:p>
-          <a:p>
-            <a:pPr marL="0" indent="0">
-              <a:buNone/>
-            </a:pPr>
-            <a:r>
               <a:rPr lang="en-IN" sz="2800" dirty="0">
                 <a:latin typeface="Times New Roman" pitchFamily="18" charset="0"/>
                 <a:cs typeface="Times New Roman" pitchFamily="18" charset="0"/>
@@ -6130,229 +6081,296 @@
               <a:buNone/>
             </a:pPr>
             <a:r>
-              <a:rPr lang="en-IN" sz="2800" i="1" dirty="0">
-                <a:latin typeface="Times New Roman" pitchFamily="18" charset="0"/>
-                <a:cs typeface="Times New Roman" pitchFamily="18" charset="0"/>
-              </a:rPr>
-              <a:t>		resolver 			</a:t>
-            </a:r>
-            <a:r>
-              <a:rPr lang="en-IN" sz="2800" dirty="0">
-                <a:latin typeface="Times New Roman" pitchFamily="18" charset="0"/>
-                <a:cs typeface="Times New Roman" pitchFamily="18" charset="0"/>
-              </a:rPr>
-              <a:t>to resolve</a:t>
-            </a:r>
-          </a:p>
-          <a:p>
-            <a:pPr marL="0" indent="0">
-              <a:buNone/>
-            </a:pPr>
-            <a:r>
-              <a:rPr lang="en-IN" sz="2800" i="1" dirty="0">
-                <a:latin typeface="Times New Roman" pitchFamily="18" charset="0"/>
-                <a:cs typeface="Times New Roman" pitchFamily="18" charset="0"/>
-              </a:rPr>
-              <a:t>		revolver 			</a:t>
-            </a:r>
-            <a:r>
-              <a:rPr lang="en-IN" sz="2800" dirty="0">
-                <a:latin typeface="Times New Roman" pitchFamily="18" charset="0"/>
-                <a:cs typeface="Times New Roman" pitchFamily="18" charset="0"/>
-              </a:rPr>
-              <a:t>to revolve</a:t>
-            </a:r>
-          </a:p>
-          <a:p>
-            <a:pPr marL="0" indent="0">
-              <a:buNone/>
-            </a:pPr>
-            <a:r>
-              <a:rPr lang="en-IN" sz="2800" i="1" dirty="0">
-                <a:latin typeface="Times New Roman" pitchFamily="18" charset="0"/>
-                <a:cs typeface="Times New Roman" pitchFamily="18" charset="0"/>
-              </a:rPr>
-              <a:t>		</a:t>
-            </a:r>
-            <a:r>
-              <a:rPr lang="en-IN" sz="2800" i="1" dirty="0" err="1">
-                <a:latin typeface="Times New Roman" pitchFamily="18" charset="0"/>
-                <a:cs typeface="Times New Roman" pitchFamily="18" charset="0"/>
-              </a:rPr>
-              <a:t>volver</a:t>
-            </a:r>
-            <a:r>
-              <a:rPr lang="en-IN" sz="2800" i="1" dirty="0">
-                <a:latin typeface="Times New Roman" pitchFamily="18" charset="0"/>
-                <a:cs typeface="Times New Roman" pitchFamily="18" charset="0"/>
-              </a:rPr>
-              <a:t> 			</a:t>
-            </a:r>
-            <a:r>
-              <a:rPr lang="en-IN" sz="2800" dirty="0">
-                <a:latin typeface="Times New Roman" pitchFamily="18" charset="0"/>
-                <a:cs typeface="Times New Roman" pitchFamily="18" charset="0"/>
-              </a:rPr>
-              <a:t>to return</a:t>
-            </a:r>
-          </a:p>
-          <a:p>
-            <a:pPr marL="400050" lvl="1" indent="0">
-              <a:buNone/>
-            </a:pPr>
-            <a:r>
-              <a:rPr lang="en-IN" i="1" dirty="0">
-                <a:latin typeface="Times New Roman"/>
-              </a:rPr>
-              <a:t>		defender 			</a:t>
-            </a:r>
-            <a:r>
-              <a:rPr lang="en-IN" dirty="0">
-                <a:latin typeface="Times New Roman"/>
-              </a:rPr>
-              <a:t>to defend</a:t>
-            </a:r>
-          </a:p>
-          <a:p>
-            <a:pPr marL="400050" lvl="1" indent="0">
-              <a:buNone/>
-            </a:pPr>
-            <a:r>
-              <a:rPr lang="en-IN" i="1" dirty="0">
-                <a:latin typeface="Times New Roman"/>
-              </a:rPr>
-              <a:t>		descender 			</a:t>
-            </a:r>
-            <a:r>
-              <a:rPr lang="en-IN" dirty="0">
-                <a:latin typeface="Times New Roman"/>
-              </a:rPr>
-              <a:t>to descend</a:t>
-            </a:r>
-          </a:p>
-          <a:p>
-            <a:pPr marL="400050" lvl="1" indent="0">
-              <a:buNone/>
-            </a:pPr>
-            <a:r>
-              <a:rPr lang="en-IN" i="1" dirty="0">
-                <a:latin typeface="Times New Roman"/>
-              </a:rPr>
-              <a:t>		</a:t>
-            </a:r>
-            <a:r>
-              <a:rPr lang="en-IN" i="1" dirty="0" err="1">
-                <a:latin typeface="Times New Roman"/>
-              </a:rPr>
-              <a:t>encender</a:t>
-            </a:r>
-            <a:r>
-              <a:rPr lang="en-IN" i="1" dirty="0">
-                <a:latin typeface="Times New Roman"/>
-              </a:rPr>
-              <a:t> 			</a:t>
-            </a:r>
-            <a:r>
-              <a:rPr lang="en-IN" dirty="0">
-                <a:latin typeface="Times New Roman"/>
-              </a:rPr>
-              <a:t>to incite, to light</a:t>
-            </a:r>
-          </a:p>
-          <a:p>
-            <a:pPr marL="400050" lvl="1" indent="0">
-              <a:buNone/>
-            </a:pPr>
-            <a:r>
-              <a:rPr lang="en-IN" i="1" dirty="0">
-                <a:latin typeface="Times New Roman"/>
-              </a:rPr>
-              <a:t>		</a:t>
-            </a:r>
-            <a:r>
-              <a:rPr lang="en-IN" i="1" dirty="0" err="1">
+              <a:rPr lang="en-IN" sz="2800" dirty="0">
                 <a:solidFill>
                   <a:srgbClr val="FF0000"/>
                 </a:solidFill>
                 <a:latin typeface="Times New Roman"/>
               </a:rPr>
-              <a:t>entender</a:t>
-            </a:r>
-            <a:r>
-              <a:rPr lang="en-IN" i="1" dirty="0">
+              <a:t>		</a:t>
+            </a:r>
+            <a:r>
+              <a:rPr lang="en-IN" sz="2800" dirty="0" err="1">
                 <a:solidFill>
                   <a:srgbClr val="FF0000"/>
                 </a:solidFill>
                 <a:latin typeface="Times New Roman"/>
               </a:rPr>
-              <a:t> 			</a:t>
-            </a:r>
-            <a:r>
-              <a:rPr lang="en-IN" dirty="0">
+              <a:t>Querer</a:t>
+            </a:r>
+            <a:r>
+              <a:rPr lang="en-IN" sz="2800" dirty="0">
                 <a:solidFill>
                   <a:srgbClr val="FF0000"/>
                 </a:solidFill>
                 <a:latin typeface="Times New Roman"/>
               </a:rPr>
-              <a:t>to understand</a:t>
-            </a:r>
-          </a:p>
-          <a:p>
-            <a:pPr marL="400050" lvl="1" indent="0">
-              <a:buNone/>
-            </a:pPr>
-            <a:r>
-              <a:rPr lang="en-IN" i="1" dirty="0">
-                <a:latin typeface="Times New Roman"/>
-              </a:rPr>
-              <a:t>		</a:t>
-            </a:r>
-            <a:r>
-              <a:rPr lang="en-IN" i="1" dirty="0" err="1">
-                <a:latin typeface="Times New Roman"/>
-              </a:rPr>
-              <a:t>perder</a:t>
-            </a:r>
-            <a:r>
-              <a:rPr lang="en-IN" i="1" dirty="0">
-                <a:latin typeface="Times New Roman"/>
-              </a:rPr>
-              <a:t> 			</a:t>
-            </a:r>
-            <a:r>
-              <a:rPr lang="en-IN" dirty="0">
-                <a:latin typeface="Times New Roman"/>
-              </a:rPr>
-              <a:t>to lose</a:t>
-            </a:r>
-          </a:p>
-          <a:p>
-            <a:pPr marL="400050" lvl="1" indent="0">
-              <a:buNone/>
-            </a:pPr>
-            <a:r>
-              <a:rPr lang="en-IN" dirty="0">
-                <a:latin typeface="Times New Roman"/>
-              </a:rPr>
-              <a:t>		</a:t>
-            </a:r>
-            <a:r>
-              <a:rPr lang="en-IN" dirty="0" err="1">
+              <a:t> 			to want</a:t>
+            </a:r>
+          </a:p>
+          <a:p>
+            <a:pPr marL="0" indent="0">
+              <a:buNone/>
+            </a:pPr>
+            <a:r>
+              <a:rPr lang="en-IN" sz="2800" i="1" dirty="0">
                 <a:solidFill>
                   <a:srgbClr val="FF0000"/>
                 </a:solidFill>
                 <a:latin typeface="Times New Roman"/>
               </a:rPr>
-              <a:t>Querer</a:t>
-            </a:r>
-            <a:r>
-              <a:rPr lang="en-IN" dirty="0">
+              <a:t>		</a:t>
+            </a:r>
+            <a:r>
+              <a:rPr lang="en-IN" sz="2800" i="1" dirty="0" err="1">
                 <a:solidFill>
                   <a:srgbClr val="FF0000"/>
                 </a:solidFill>
                 <a:latin typeface="Times New Roman"/>
               </a:rPr>
-              <a:t> 			to want </a:t>
+              <a:t>entender</a:t>
+            </a:r>
+            <a:r>
+              <a:rPr lang="en-IN" sz="2800" i="1" dirty="0">
+                <a:solidFill>
+                  <a:srgbClr val="FF0000"/>
+                </a:solidFill>
+                <a:latin typeface="Times New Roman"/>
+              </a:rPr>
+              <a:t> 			</a:t>
+            </a:r>
+            <a:r>
+              <a:rPr lang="en-IN" sz="2800" dirty="0">
+                <a:solidFill>
+                  <a:srgbClr val="FF0000"/>
+                </a:solidFill>
+                <a:latin typeface="Times New Roman"/>
+              </a:rPr>
+              <a:t>to understand</a:t>
+            </a:r>
+          </a:p>
+          <a:p>
+            <a:pPr marL="0" indent="0">
+              <a:buNone/>
+            </a:pPr>
+            <a:r>
+              <a:rPr lang="en-IN" sz="2800" i="1" dirty="0">
+                <a:latin typeface="Times New Roman"/>
+              </a:rPr>
+              <a:t>		</a:t>
+            </a:r>
+            <a:r>
+              <a:rPr lang="en-IN" sz="2800" i="1" dirty="0" err="1">
+                <a:latin typeface="Times New Roman"/>
+              </a:rPr>
+              <a:t>perder</a:t>
+            </a:r>
+            <a:r>
+              <a:rPr lang="en-IN" sz="2800" i="1" dirty="0">
+                <a:latin typeface="Times New Roman"/>
+              </a:rPr>
+              <a:t> 			</a:t>
+            </a:r>
+            <a:r>
+              <a:rPr lang="en-IN" sz="2800" dirty="0">
+                <a:latin typeface="Times New Roman"/>
+              </a:rPr>
+              <a:t>to lose</a:t>
+            </a:r>
+            <a:endParaRPr lang="en-IN" sz="2800" dirty="0">
+              <a:solidFill>
+                <a:srgbClr val="FF0000"/>
+              </a:solidFill>
+              <a:latin typeface="Times New Roman"/>
+            </a:endParaRPr>
+          </a:p>
+          <a:p>
+            <a:pPr marL="0" indent="0">
+              <a:buNone/>
+            </a:pPr>
+            <a:r>
+              <a:rPr lang="en-IN" sz="2800" i="1" dirty="0">
+                <a:latin typeface="Times New Roman" pitchFamily="18" charset="0"/>
+                <a:cs typeface="Times New Roman" pitchFamily="18" charset="0"/>
+              </a:rPr>
+              <a:t>		</a:t>
+            </a:r>
+            <a:r>
+              <a:rPr lang="en-IN" sz="2800" i="1" dirty="0" err="1">
+                <a:latin typeface="Times New Roman" pitchFamily="18" charset="0"/>
+                <a:cs typeface="Times New Roman" pitchFamily="18" charset="0"/>
+              </a:rPr>
+              <a:t>llover</a:t>
+            </a:r>
+            <a:r>
+              <a:rPr lang="en-IN" sz="2800" i="1" dirty="0">
+                <a:latin typeface="Times New Roman" pitchFamily="18" charset="0"/>
+                <a:cs typeface="Times New Roman" pitchFamily="18" charset="0"/>
+              </a:rPr>
+              <a:t> 			</a:t>
+            </a:r>
+            <a:r>
+              <a:rPr lang="en-IN" sz="2800" dirty="0">
+                <a:latin typeface="Times New Roman" pitchFamily="18" charset="0"/>
+                <a:cs typeface="Times New Roman" pitchFamily="18" charset="0"/>
+              </a:rPr>
+              <a:t>to rain</a:t>
+            </a:r>
+            <a:endParaRPr lang="en-IN" sz="2800" dirty="0">
+              <a:solidFill>
+                <a:srgbClr val="FF0000"/>
+              </a:solidFill>
+              <a:latin typeface="Times New Roman" pitchFamily="18" charset="0"/>
+              <a:cs typeface="Times New Roman" pitchFamily="18" charset="0"/>
+            </a:endParaRPr>
+          </a:p>
+          <a:p>
+            <a:pPr marL="0" indent="0">
+              <a:buNone/>
+            </a:pPr>
+            <a:r>
+              <a:rPr lang="en-IN" sz="2800" i="1" dirty="0">
+                <a:latin typeface="Times New Roman" pitchFamily="18" charset="0"/>
+                <a:cs typeface="Times New Roman" pitchFamily="18" charset="0"/>
+              </a:rPr>
+              <a:t>		resolver 			</a:t>
+            </a:r>
+            <a:r>
+              <a:rPr lang="en-IN" sz="2800" dirty="0">
+                <a:latin typeface="Times New Roman" pitchFamily="18" charset="0"/>
+                <a:cs typeface="Times New Roman" pitchFamily="18" charset="0"/>
+              </a:rPr>
+              <a:t>to resolve</a:t>
+            </a:r>
+          </a:p>
+          <a:p>
+            <a:pPr marL="0" indent="0">
+              <a:buNone/>
+            </a:pPr>
+            <a:r>
+              <a:rPr lang="en-IN" sz="2800" i="1" dirty="0">
+                <a:latin typeface="Times New Roman" pitchFamily="18" charset="0"/>
+                <a:cs typeface="Times New Roman" pitchFamily="18" charset="0"/>
+              </a:rPr>
+              <a:t>		revolver 			</a:t>
+            </a:r>
+            <a:r>
+              <a:rPr lang="en-IN" sz="2800" dirty="0">
+                <a:latin typeface="Times New Roman" pitchFamily="18" charset="0"/>
+                <a:cs typeface="Times New Roman" pitchFamily="18" charset="0"/>
+              </a:rPr>
+              <a:t>to revolve</a:t>
+            </a:r>
+          </a:p>
+          <a:p>
+            <a:pPr marL="0" indent="0">
+              <a:buNone/>
+            </a:pPr>
+            <a:r>
+              <a:rPr lang="en-IN" sz="2800" i="1" dirty="0">
+                <a:latin typeface="Times New Roman" pitchFamily="18" charset="0"/>
+                <a:cs typeface="Times New Roman" pitchFamily="18" charset="0"/>
+              </a:rPr>
+              <a:t>		</a:t>
+            </a:r>
+            <a:r>
+              <a:rPr lang="en-IN" sz="2800" i="1" dirty="0" err="1">
+                <a:latin typeface="Times New Roman" pitchFamily="18" charset="0"/>
+                <a:cs typeface="Times New Roman" pitchFamily="18" charset="0"/>
+              </a:rPr>
+              <a:t>volver</a:t>
+            </a:r>
+            <a:r>
+              <a:rPr lang="en-IN" sz="2800" i="1" dirty="0">
+                <a:latin typeface="Times New Roman" pitchFamily="18" charset="0"/>
+                <a:cs typeface="Times New Roman" pitchFamily="18" charset="0"/>
+              </a:rPr>
+              <a:t> 			</a:t>
+            </a:r>
+            <a:r>
+              <a:rPr lang="en-IN" sz="2800" dirty="0">
+                <a:latin typeface="Times New Roman" pitchFamily="18" charset="0"/>
+                <a:cs typeface="Times New Roman" pitchFamily="18" charset="0"/>
+              </a:rPr>
+              <a:t>to return</a:t>
+            </a:r>
+          </a:p>
+          <a:p>
+            <a:pPr marL="0" indent="0">
+              <a:buNone/>
+            </a:pPr>
+            <a:r>
+              <a:rPr lang="en-IN" sz="2800" i="1" dirty="0">
+                <a:latin typeface="Times New Roman"/>
+              </a:rPr>
+              <a:t>		defender 			</a:t>
+            </a:r>
+            <a:r>
+              <a:rPr lang="en-IN" sz="2800" dirty="0">
+                <a:latin typeface="Times New Roman"/>
+              </a:rPr>
+              <a:t>to defend</a:t>
+            </a:r>
+            <a:endParaRPr lang="en-IN" sz="2800" dirty="0">
+              <a:latin typeface="Times New Roman" pitchFamily="18" charset="0"/>
+              <a:cs typeface="Times New Roman" pitchFamily="18" charset="0"/>
+            </a:endParaRPr>
+          </a:p>
+          <a:p>
+            <a:pPr marL="400050" lvl="1" indent="0">
+              <a:buNone/>
+            </a:pPr>
+            <a:r>
+              <a:rPr lang="en-IN" i="1" dirty="0">
+                <a:latin typeface="Times New Roman"/>
+              </a:rPr>
+              <a:t>		descender 			</a:t>
+            </a:r>
+            <a:r>
+              <a:rPr lang="en-IN" dirty="0">
+                <a:latin typeface="Times New Roman"/>
+              </a:rPr>
+              <a:t>to descend</a:t>
+            </a:r>
+          </a:p>
+          <a:p>
+            <a:pPr marL="400050" lvl="1" indent="0">
+              <a:buNone/>
+            </a:pPr>
+            <a:r>
+              <a:rPr lang="en-IN" i="1" dirty="0">
+                <a:latin typeface="Times New Roman"/>
+              </a:rPr>
+              <a:t>		</a:t>
+            </a:r>
+            <a:r>
+              <a:rPr lang="en-IN" i="1" dirty="0" err="1">
+                <a:latin typeface="Times New Roman"/>
+              </a:rPr>
+              <a:t>encender</a:t>
+            </a:r>
+            <a:r>
+              <a:rPr lang="en-IN" i="1" dirty="0">
+                <a:latin typeface="Times New Roman"/>
+              </a:rPr>
+              <a:t> 			</a:t>
+            </a:r>
+            <a:r>
+              <a:rPr lang="en-IN" dirty="0">
+                <a:latin typeface="Times New Roman"/>
+              </a:rPr>
+              <a:t>to incite, to light</a:t>
+            </a:r>
+          </a:p>
+          <a:p>
+            <a:pPr marL="400050" lvl="1" indent="0">
+              <a:buNone/>
+            </a:pPr>
+            <a:r>
+              <a:rPr lang="en-IN" dirty="0">
+                <a:latin typeface="Times New Roman"/>
+              </a:rPr>
+              <a:t>		</a:t>
             </a:r>
             <a:endParaRPr lang="en-IN" dirty="0">
               <a:solidFill>
